--- a/Recap_06.10.17.pptx
+++ b/Recap_06.10.17.pptx
@@ -120,6 +120,10 @@
 </p:presentation>
 </file>
 
+<file path=ppt/revisionInfo.xml><?xml version="1.0" encoding="utf-8"?>
+<p1510:revInfo xmlns:a="http://schemas.openxmlformats.org/drawingml/2006/main" xmlns:r="http://schemas.openxmlformats.org/officeDocument/2006/relationships" xmlns:p1510="http://schemas.microsoft.com/office/powerpoint/2015/10/main"/>
+</file>
+
 <file path=ppt/slideLayouts/slideLayout1.xml><?xml version="1.0" encoding="utf-8"?>
 <p:sldLayout xmlns:a="http://schemas.openxmlformats.org/drawingml/2006/main" xmlns:r="http://schemas.openxmlformats.org/officeDocument/2006/relationships" xmlns:p="http://schemas.openxmlformats.org/presentationml/2006/main" showMasterSp="0" type="title" preserve="1">
   <p:cSld name="Titelfolie">
@@ -170,7 +174,7 @@
           <a:noFill/>
           <a:extLst>
             <a:ext uri="{909E8E84-426E-40dd-AFC4-6F175D3DCCD1}">
-              <a14:hiddenFill xmlns="" xmlns:a14="http://schemas.microsoft.com/office/drawing/2010/main">
+              <a14:hiddenFill xmlns:a14="http://schemas.microsoft.com/office/drawing/2010/main" xmlns="">
                 <a:solidFill>
                   <a:srgbClr val="FFFFFF"/>
                 </a:solidFill>
@@ -230,7 +234,7 @@
             </a:ln>
             <a:extLst>
               <a:ext uri="{91240B29-F687-4f45-9708-019B960494DF}">
-                <a14:hiddenLine xmlns="" xmlns:a14="http://schemas.microsoft.com/office/drawing/2010/main" w="9525">
+                <a14:hiddenLine xmlns:a14="http://schemas.microsoft.com/office/drawing/2010/main" xmlns="" w="9525">
                   <a:solidFill>
                     <a:srgbClr val="000000"/>
                   </a:solidFill>
@@ -320,7 +324,7 @@
             </a:ln>
             <a:extLst>
               <a:ext uri="{91240B29-F687-4f45-9708-019B960494DF}">
-                <a14:hiddenLine xmlns="" xmlns:a14="http://schemas.microsoft.com/office/drawing/2010/main" w="9525">
+                <a14:hiddenLine xmlns:a14="http://schemas.microsoft.com/office/drawing/2010/main" xmlns="" w="9525">
                   <a:solidFill>
                     <a:srgbClr val="000000"/>
                   </a:solidFill>
@@ -410,7 +414,7 @@
             </a:ln>
             <a:extLst>
               <a:ext uri="{91240B29-F687-4f45-9708-019B960494DF}">
-                <a14:hiddenLine xmlns="" xmlns:a14="http://schemas.microsoft.com/office/drawing/2010/main" w="9525">
+                <a14:hiddenLine xmlns:a14="http://schemas.microsoft.com/office/drawing/2010/main" xmlns="" w="9525">
                   <a:solidFill>
                     <a:srgbClr val="000000"/>
                   </a:solidFill>
@@ -444,7 +448,7 @@
             </a:ln>
             <a:extLst>
               <a:ext uri="{91240B29-F687-4f45-9708-019B960494DF}">
-                <a14:hiddenLine xmlns="" xmlns:a14="http://schemas.microsoft.com/office/drawing/2010/main" w="9525">
+                <a14:hiddenLine xmlns:a14="http://schemas.microsoft.com/office/drawing/2010/main" xmlns="" w="9525">
                   <a:solidFill>
                     <a:srgbClr val="000000"/>
                   </a:solidFill>
@@ -534,7 +538,7 @@
             </a:ln>
             <a:extLst>
               <a:ext uri="{91240B29-F687-4f45-9708-019B960494DF}">
-                <a14:hiddenLine xmlns="" xmlns:a14="http://schemas.microsoft.com/office/drawing/2010/main" w="9525">
+                <a14:hiddenLine xmlns:a14="http://schemas.microsoft.com/office/drawing/2010/main" xmlns="" w="9525">
                   <a:solidFill>
                     <a:srgbClr val="000000"/>
                   </a:solidFill>
@@ -596,7 +600,7 @@
             </a:ln>
             <a:extLst>
               <a:ext uri="{91240B29-F687-4f45-9708-019B960494DF}">
-                <a14:hiddenLine xmlns="" xmlns:a14="http://schemas.microsoft.com/office/drawing/2010/main" w="9525">
+                <a14:hiddenLine xmlns:a14="http://schemas.microsoft.com/office/drawing/2010/main" xmlns="" w="9525">
                   <a:solidFill>
                     <a:srgbClr val="000000"/>
                   </a:solidFill>
@@ -658,7 +662,7 @@
             </a:ln>
             <a:extLst>
               <a:ext uri="{91240B29-F687-4f45-9708-019B960494DF}">
-                <a14:hiddenLine xmlns="" xmlns:a14="http://schemas.microsoft.com/office/drawing/2010/main" w="9525">
+                <a14:hiddenLine xmlns:a14="http://schemas.microsoft.com/office/drawing/2010/main" xmlns="" w="9525">
                   <a:solidFill>
                     <a:srgbClr val="000000"/>
                   </a:solidFill>
@@ -748,7 +752,7 @@
             </a:ln>
             <a:extLst>
               <a:ext uri="{91240B29-F687-4f45-9708-019B960494DF}">
-                <a14:hiddenLine xmlns="" xmlns:a14="http://schemas.microsoft.com/office/drawing/2010/main" w="9525">
+                <a14:hiddenLine xmlns:a14="http://schemas.microsoft.com/office/drawing/2010/main" xmlns="" w="9525">
                   <a:solidFill>
                     <a:srgbClr val="000000"/>
                   </a:solidFill>
@@ -810,7 +814,7 @@
             </a:ln>
             <a:extLst>
               <a:ext uri="{91240B29-F687-4f45-9708-019B960494DF}">
-                <a14:hiddenLine xmlns="" xmlns:a14="http://schemas.microsoft.com/office/drawing/2010/main" w="9525">
+                <a14:hiddenLine xmlns:a14="http://schemas.microsoft.com/office/drawing/2010/main" xmlns="" w="9525">
                   <a:solidFill>
                     <a:srgbClr val="000000"/>
                   </a:solidFill>
@@ -872,7 +876,7 @@
             </a:ln>
             <a:extLst>
               <a:ext uri="{91240B29-F687-4f45-9708-019B960494DF}">
-                <a14:hiddenLine xmlns="" xmlns:a14="http://schemas.microsoft.com/office/drawing/2010/main" w="9525">
+                <a14:hiddenLine xmlns:a14="http://schemas.microsoft.com/office/drawing/2010/main" xmlns="" w="9525">
                   <a:solidFill>
                     <a:srgbClr val="000000"/>
                   </a:solidFill>
@@ -962,7 +966,7 @@
             </a:ln>
             <a:extLst>
               <a:ext uri="{91240B29-F687-4f45-9708-019B960494DF}">
-                <a14:hiddenLine xmlns="" xmlns:a14="http://schemas.microsoft.com/office/drawing/2010/main" w="9525">
+                <a14:hiddenLine xmlns:a14="http://schemas.microsoft.com/office/drawing/2010/main" xmlns="" w="9525">
                   <a:solidFill>
                     <a:srgbClr val="000000"/>
                   </a:solidFill>
@@ -1052,7 +1056,7 @@
             </a:ln>
             <a:extLst>
               <a:ext uri="{91240B29-F687-4f45-9708-019B960494DF}">
-                <a14:hiddenLine xmlns="" xmlns:a14="http://schemas.microsoft.com/office/drawing/2010/main" w="9525">
+                <a14:hiddenLine xmlns:a14="http://schemas.microsoft.com/office/drawing/2010/main" xmlns="" w="9525">
                   <a:solidFill>
                     <a:srgbClr val="000000"/>
                   </a:solidFill>
@@ -1114,7 +1118,7 @@
             </a:ln>
             <a:extLst>
               <a:ext uri="{91240B29-F687-4f45-9708-019B960494DF}">
-                <a14:hiddenLine xmlns="" xmlns:a14="http://schemas.microsoft.com/office/drawing/2010/main" w="9525">
+                <a14:hiddenLine xmlns:a14="http://schemas.microsoft.com/office/drawing/2010/main" xmlns="" w="9525">
                   <a:solidFill>
                     <a:srgbClr val="000000"/>
                   </a:solidFill>
@@ -1224,7 +1228,7 @@
             </a:ln>
             <a:extLst>
               <a:ext uri="{91240B29-F687-4f45-9708-019B960494DF}">
-                <a14:hiddenLine xmlns="" xmlns:a14="http://schemas.microsoft.com/office/drawing/2010/main" w="9525">
+                <a14:hiddenLine xmlns:a14="http://schemas.microsoft.com/office/drawing/2010/main" xmlns="" w="9525">
                   <a:solidFill>
                     <a:srgbClr val="000000"/>
                   </a:solidFill>
@@ -1286,7 +1290,7 @@
             </a:ln>
             <a:extLst>
               <a:ext uri="{91240B29-F687-4f45-9708-019B960494DF}">
-                <a14:hiddenLine xmlns="" xmlns:a14="http://schemas.microsoft.com/office/drawing/2010/main" w="9525">
+                <a14:hiddenLine xmlns:a14="http://schemas.microsoft.com/office/drawing/2010/main" xmlns="" w="9525">
                   <a:solidFill>
                     <a:srgbClr val="000000"/>
                   </a:solidFill>
@@ -1376,7 +1380,7 @@
             </a:ln>
             <a:extLst>
               <a:ext uri="{91240B29-F687-4f45-9708-019B960494DF}">
-                <a14:hiddenLine xmlns="" xmlns:a14="http://schemas.microsoft.com/office/drawing/2010/main" w="9525">
+                <a14:hiddenLine xmlns:a14="http://schemas.microsoft.com/office/drawing/2010/main" xmlns="" w="9525">
                   <a:solidFill>
                     <a:srgbClr val="000000"/>
                   </a:solidFill>
@@ -1466,7 +1470,7 @@
             </a:ln>
             <a:extLst>
               <a:ext uri="{91240B29-F687-4f45-9708-019B960494DF}">
-                <a14:hiddenLine xmlns="" xmlns:a14="http://schemas.microsoft.com/office/drawing/2010/main" w="9525">
+                <a14:hiddenLine xmlns:a14="http://schemas.microsoft.com/office/drawing/2010/main" xmlns="" w="9525">
                   <a:solidFill>
                     <a:srgbClr val="000000"/>
                   </a:solidFill>
@@ -1528,7 +1532,7 @@
             </a:ln>
             <a:extLst>
               <a:ext uri="{91240B29-F687-4f45-9708-019B960494DF}">
-                <a14:hiddenLine xmlns="" xmlns:a14="http://schemas.microsoft.com/office/drawing/2010/main" w="9525">
+                <a14:hiddenLine xmlns:a14="http://schemas.microsoft.com/office/drawing/2010/main" xmlns="" w="9525">
                   <a:solidFill>
                     <a:srgbClr val="000000"/>
                   </a:solidFill>
@@ -1618,7 +1622,7 @@
             </a:ln>
             <a:extLst>
               <a:ext uri="{91240B29-F687-4f45-9708-019B960494DF}">
-                <a14:hiddenLine xmlns="" xmlns:a14="http://schemas.microsoft.com/office/drawing/2010/main" w="9525">
+                <a14:hiddenLine xmlns:a14="http://schemas.microsoft.com/office/drawing/2010/main" xmlns="" w="9525">
                   <a:solidFill>
                     <a:srgbClr val="000000"/>
                   </a:solidFill>
@@ -1708,7 +1712,7 @@
             </a:ln>
             <a:extLst>
               <a:ext uri="{91240B29-F687-4f45-9708-019B960494DF}">
-                <a14:hiddenLine xmlns="" xmlns:a14="http://schemas.microsoft.com/office/drawing/2010/main" w="9525">
+                <a14:hiddenLine xmlns:a14="http://schemas.microsoft.com/office/drawing/2010/main" xmlns="" w="9525">
                   <a:solidFill>
                     <a:srgbClr val="000000"/>
                   </a:solidFill>
@@ -1764,7 +1768,7 @@
             </a:ln>
             <a:extLst>
               <a:ext uri="{91240B29-F687-4f45-9708-019B960494DF}">
-                <a14:hiddenLine xmlns="" xmlns:a14="http://schemas.microsoft.com/office/drawing/2010/main" w="9525">
+                <a14:hiddenLine xmlns:a14="http://schemas.microsoft.com/office/drawing/2010/main" xmlns="" w="9525">
                   <a:solidFill>
                     <a:srgbClr val="000000"/>
                   </a:solidFill>
@@ -1854,7 +1858,7 @@
             </a:ln>
             <a:extLst>
               <a:ext uri="{91240B29-F687-4f45-9708-019B960494DF}">
-                <a14:hiddenLine xmlns="" xmlns:a14="http://schemas.microsoft.com/office/drawing/2010/main" w="9525">
+                <a14:hiddenLine xmlns:a14="http://schemas.microsoft.com/office/drawing/2010/main" xmlns="" w="9525">
                   <a:solidFill>
                     <a:srgbClr val="000000"/>
                   </a:solidFill>
@@ -1910,7 +1914,7 @@
             </a:ln>
             <a:extLst>
               <a:ext uri="{91240B29-F687-4f45-9708-019B960494DF}">
-                <a14:hiddenLine xmlns="" xmlns:a14="http://schemas.microsoft.com/office/drawing/2010/main" w="9525">
+                <a14:hiddenLine xmlns:a14="http://schemas.microsoft.com/office/drawing/2010/main" xmlns="" w="9525">
                   <a:solidFill>
                     <a:srgbClr val="000000"/>
                   </a:solidFill>
@@ -2000,7 +2004,7 @@
             </a:ln>
             <a:extLst>
               <a:ext uri="{91240B29-F687-4f45-9708-019B960494DF}">
-                <a14:hiddenLine xmlns="" xmlns:a14="http://schemas.microsoft.com/office/drawing/2010/main" w="9525">
+                <a14:hiddenLine xmlns:a14="http://schemas.microsoft.com/office/drawing/2010/main" xmlns="" w="9525">
                   <a:solidFill>
                     <a:srgbClr val="000000"/>
                   </a:solidFill>
@@ -2068,7 +2072,7 @@
             </a:ln>
             <a:extLst>
               <a:ext uri="{91240B29-F687-4f45-9708-019B960494DF}">
-                <a14:hiddenLine xmlns="" xmlns:a14="http://schemas.microsoft.com/office/drawing/2010/main" w="9525">
+                <a14:hiddenLine xmlns:a14="http://schemas.microsoft.com/office/drawing/2010/main" xmlns="" w="9525">
                   <a:solidFill>
                     <a:srgbClr val="000000"/>
                   </a:solidFill>
@@ -2158,7 +2162,7 @@
             </a:ln>
             <a:extLst>
               <a:ext uri="{91240B29-F687-4f45-9708-019B960494DF}">
-                <a14:hiddenLine xmlns="" xmlns:a14="http://schemas.microsoft.com/office/drawing/2010/main" w="9525">
+                <a14:hiddenLine xmlns:a14="http://schemas.microsoft.com/office/drawing/2010/main" xmlns="" w="9525">
                   <a:solidFill>
                     <a:srgbClr val="000000"/>
                   </a:solidFill>
@@ -2226,7 +2230,7 @@
             </a:ln>
             <a:extLst>
               <a:ext uri="{91240B29-F687-4f45-9708-019B960494DF}">
-                <a14:hiddenLine xmlns="" xmlns:a14="http://schemas.microsoft.com/office/drawing/2010/main" w="9525">
+                <a14:hiddenLine xmlns:a14="http://schemas.microsoft.com/office/drawing/2010/main" xmlns="" w="9525">
                   <a:solidFill>
                     <a:srgbClr val="000000"/>
                   </a:solidFill>
@@ -2316,7 +2320,7 @@
             </a:ln>
             <a:extLst>
               <a:ext uri="{91240B29-F687-4f45-9708-019B960494DF}">
-                <a14:hiddenLine xmlns="" xmlns:a14="http://schemas.microsoft.com/office/drawing/2010/main" w="9525">
+                <a14:hiddenLine xmlns:a14="http://schemas.microsoft.com/office/drawing/2010/main" xmlns="" w="9525">
                   <a:solidFill>
                     <a:srgbClr val="000000"/>
                   </a:solidFill>
@@ -2350,7 +2354,7 @@
             </a:ln>
             <a:extLst>
               <a:ext uri="{91240B29-F687-4f45-9708-019B960494DF}">
-                <a14:hiddenLine xmlns="" xmlns:a14="http://schemas.microsoft.com/office/drawing/2010/main" w="9525">
+                <a14:hiddenLine xmlns:a14="http://schemas.microsoft.com/office/drawing/2010/main" xmlns="" w="9525">
                   <a:solidFill>
                     <a:srgbClr val="000000"/>
                   </a:solidFill>
@@ -2440,7 +2444,7 @@
             </a:ln>
             <a:extLst>
               <a:ext uri="{91240B29-F687-4f45-9708-019B960494DF}">
-                <a14:hiddenLine xmlns="" xmlns:a14="http://schemas.microsoft.com/office/drawing/2010/main" w="9525">
+                <a14:hiddenLine xmlns:a14="http://schemas.microsoft.com/office/drawing/2010/main" xmlns="" w="9525">
                   <a:solidFill>
                     <a:srgbClr val="000000"/>
                   </a:solidFill>
@@ -2502,7 +2506,7 @@
             </a:ln>
             <a:extLst>
               <a:ext uri="{91240B29-F687-4f45-9708-019B960494DF}">
-                <a14:hiddenLine xmlns="" xmlns:a14="http://schemas.microsoft.com/office/drawing/2010/main" w="9525">
+                <a14:hiddenLine xmlns:a14="http://schemas.microsoft.com/office/drawing/2010/main" xmlns="" w="9525">
                   <a:solidFill>
                     <a:srgbClr val="000000"/>
                   </a:solidFill>
@@ -2564,7 +2568,7 @@
             </a:ln>
             <a:extLst>
               <a:ext uri="{91240B29-F687-4f45-9708-019B960494DF}">
-                <a14:hiddenLine xmlns="" xmlns:a14="http://schemas.microsoft.com/office/drawing/2010/main" w="9525">
+                <a14:hiddenLine xmlns:a14="http://schemas.microsoft.com/office/drawing/2010/main" xmlns="" w="9525">
                   <a:solidFill>
                     <a:srgbClr val="000000"/>
                   </a:solidFill>
@@ -2654,7 +2658,7 @@
             </a:ln>
             <a:extLst>
               <a:ext uri="{91240B29-F687-4f45-9708-019B960494DF}">
-                <a14:hiddenLine xmlns="" xmlns:a14="http://schemas.microsoft.com/office/drawing/2010/main" w="9525">
+                <a14:hiddenLine xmlns:a14="http://schemas.microsoft.com/office/drawing/2010/main" xmlns="" w="9525">
                   <a:solidFill>
                     <a:srgbClr val="000000"/>
                   </a:solidFill>
@@ -2722,7 +2726,7 @@
             </a:ln>
             <a:extLst>
               <a:ext uri="{91240B29-F687-4f45-9708-019B960494DF}">
-                <a14:hiddenLine xmlns="" xmlns:a14="http://schemas.microsoft.com/office/drawing/2010/main" w="9525">
+                <a14:hiddenLine xmlns:a14="http://schemas.microsoft.com/office/drawing/2010/main" xmlns="" w="9525">
                   <a:solidFill>
                     <a:srgbClr val="000000"/>
                   </a:solidFill>
@@ -2784,7 +2788,7 @@
             </a:ln>
             <a:extLst>
               <a:ext uri="{91240B29-F687-4f45-9708-019B960494DF}">
-                <a14:hiddenLine xmlns="" xmlns:a14="http://schemas.microsoft.com/office/drawing/2010/main" w="9525">
+                <a14:hiddenLine xmlns:a14="http://schemas.microsoft.com/office/drawing/2010/main" xmlns="" w="9525">
                   <a:solidFill>
                     <a:srgbClr val="000000"/>
                   </a:solidFill>
@@ -2874,7 +2878,7 @@
             </a:ln>
             <a:extLst>
               <a:ext uri="{91240B29-F687-4f45-9708-019B960494DF}">
-                <a14:hiddenLine xmlns="" xmlns:a14="http://schemas.microsoft.com/office/drawing/2010/main" w="9525">
+                <a14:hiddenLine xmlns:a14="http://schemas.microsoft.com/office/drawing/2010/main" xmlns="" w="9525">
                   <a:solidFill>
                     <a:srgbClr val="000000"/>
                   </a:solidFill>
@@ -2936,7 +2940,7 @@
             </a:ln>
             <a:extLst>
               <a:ext uri="{91240B29-F687-4f45-9708-019B960494DF}">
-                <a14:hiddenLine xmlns="" xmlns:a14="http://schemas.microsoft.com/office/drawing/2010/main" w="9525">
+                <a14:hiddenLine xmlns:a14="http://schemas.microsoft.com/office/drawing/2010/main" xmlns="" w="9525">
                   <a:solidFill>
                     <a:srgbClr val="000000"/>
                   </a:solidFill>
@@ -3026,7 +3030,7 @@
             </a:ln>
             <a:extLst>
               <a:ext uri="{91240B29-F687-4f45-9708-019B960494DF}">
-                <a14:hiddenLine xmlns="" xmlns:a14="http://schemas.microsoft.com/office/drawing/2010/main" w="9525">
+                <a14:hiddenLine xmlns:a14="http://schemas.microsoft.com/office/drawing/2010/main" xmlns="" w="9525">
                   <a:solidFill>
                     <a:srgbClr val="000000"/>
                   </a:solidFill>
@@ -3088,7 +3092,7 @@
             </a:ln>
             <a:extLst>
               <a:ext uri="{91240B29-F687-4f45-9708-019B960494DF}">
-                <a14:hiddenLine xmlns="" xmlns:a14="http://schemas.microsoft.com/office/drawing/2010/main" w="9525">
+                <a14:hiddenLine xmlns:a14="http://schemas.microsoft.com/office/drawing/2010/main" xmlns="" w="9525">
                   <a:solidFill>
                     <a:srgbClr val="000000"/>
                   </a:solidFill>
@@ -3178,7 +3182,7 @@
             </a:ln>
             <a:extLst>
               <a:ext uri="{91240B29-F687-4f45-9708-019B960494DF}">
-                <a14:hiddenLine xmlns="" xmlns:a14="http://schemas.microsoft.com/office/drawing/2010/main" w="9525">
+                <a14:hiddenLine xmlns:a14="http://schemas.microsoft.com/office/drawing/2010/main" xmlns="" w="9525">
                   <a:solidFill>
                     <a:srgbClr val="000000"/>
                   </a:solidFill>
@@ -3212,7 +3216,7 @@
             </a:ln>
             <a:extLst>
               <a:ext uri="{91240B29-F687-4f45-9708-019B960494DF}">
-                <a14:hiddenLine xmlns="" xmlns:a14="http://schemas.microsoft.com/office/drawing/2010/main" w="9525">
+                <a14:hiddenLine xmlns:a14="http://schemas.microsoft.com/office/drawing/2010/main" xmlns="" w="9525">
                   <a:solidFill>
                     <a:srgbClr val="000000"/>
                   </a:solidFill>
@@ -3277,7 +3281,7 @@
             </a:ln>
             <a:extLst>
               <a:ext uri="{91240B29-F687-4f45-9708-019B960494DF}">
-                <a14:hiddenLine xmlns="" xmlns:a14="http://schemas.microsoft.com/office/drawing/2010/main" w="9525">
+                <a14:hiddenLine xmlns:a14="http://schemas.microsoft.com/office/drawing/2010/main" xmlns="" w="9525">
                   <a:solidFill>
                     <a:srgbClr val="000000"/>
                   </a:solidFill>
@@ -3367,7 +3371,7 @@
             </a:ln>
             <a:extLst>
               <a:ext uri="{91240B29-F687-4f45-9708-019B960494DF}">
-                <a14:hiddenLine xmlns="" xmlns:a14="http://schemas.microsoft.com/office/drawing/2010/main" w="9525">
+                <a14:hiddenLine xmlns:a14="http://schemas.microsoft.com/office/drawing/2010/main" xmlns="" w="9525">
                   <a:solidFill>
                     <a:srgbClr val="000000"/>
                   </a:solidFill>
@@ -3429,7 +3433,7 @@
             </a:ln>
             <a:extLst>
               <a:ext uri="{91240B29-F687-4f45-9708-019B960494DF}">
-                <a14:hiddenLine xmlns="" xmlns:a14="http://schemas.microsoft.com/office/drawing/2010/main" w="9525">
+                <a14:hiddenLine xmlns:a14="http://schemas.microsoft.com/office/drawing/2010/main" xmlns="" w="9525">
                   <a:solidFill>
                     <a:srgbClr val="000000"/>
                   </a:solidFill>
@@ -3519,7 +3523,7 @@
             </a:ln>
             <a:extLst>
               <a:ext uri="{91240B29-F687-4f45-9708-019B960494DF}">
-                <a14:hiddenLine xmlns="" xmlns:a14="http://schemas.microsoft.com/office/drawing/2010/main" w="9525">
+                <a14:hiddenLine xmlns:a14="http://schemas.microsoft.com/office/drawing/2010/main" xmlns="" w="9525">
                   <a:solidFill>
                     <a:srgbClr val="000000"/>
                   </a:solidFill>
@@ -3609,7 +3613,7 @@
             </a:ln>
             <a:extLst>
               <a:ext uri="{91240B29-F687-4f45-9708-019B960494DF}">
-                <a14:hiddenLine xmlns="" xmlns:a14="http://schemas.microsoft.com/office/drawing/2010/main" w="9525">
+                <a14:hiddenLine xmlns:a14="http://schemas.microsoft.com/office/drawing/2010/main" xmlns="" w="9525">
                   <a:solidFill>
                     <a:srgbClr val="000000"/>
                   </a:solidFill>
@@ -3674,7 +3678,7 @@
             </a:ln>
             <a:extLst>
               <a:ext uri="{91240B29-F687-4f45-9708-019B960494DF}">
-                <a14:hiddenLine xmlns="" xmlns:a14="http://schemas.microsoft.com/office/drawing/2010/main" w="9525">
+                <a14:hiddenLine xmlns:a14="http://schemas.microsoft.com/office/drawing/2010/main" xmlns="" w="9525">
                   <a:solidFill>
                     <a:srgbClr val="000000"/>
                   </a:solidFill>
@@ -3736,7 +3740,7 @@
             </a:ln>
             <a:extLst>
               <a:ext uri="{91240B29-F687-4f45-9708-019B960494DF}">
-                <a14:hiddenLine xmlns="" xmlns:a14="http://schemas.microsoft.com/office/drawing/2010/main" w="9525">
+                <a14:hiddenLine xmlns:a14="http://schemas.microsoft.com/office/drawing/2010/main" xmlns="" w="9525">
                   <a:solidFill>
                     <a:srgbClr val="000000"/>
                   </a:solidFill>
@@ -3826,7 +3830,7 @@
             </a:ln>
             <a:extLst>
               <a:ext uri="{91240B29-F687-4f45-9708-019B960494DF}">
-                <a14:hiddenLine xmlns="" xmlns:a14="http://schemas.microsoft.com/office/drawing/2010/main" w="9525">
+                <a14:hiddenLine xmlns:a14="http://schemas.microsoft.com/office/drawing/2010/main" xmlns="" w="9525">
                   <a:solidFill>
                     <a:srgbClr val="000000"/>
                   </a:solidFill>
@@ -3916,7 +3920,7 @@
             </a:ln>
             <a:extLst>
               <a:ext uri="{91240B29-F687-4f45-9708-019B960494DF}">
-                <a14:hiddenLine xmlns="" xmlns:a14="http://schemas.microsoft.com/office/drawing/2010/main" w="9525">
+                <a14:hiddenLine xmlns:a14="http://schemas.microsoft.com/office/drawing/2010/main" xmlns="" w="9525">
                   <a:solidFill>
                     <a:srgbClr val="000000"/>
                   </a:solidFill>
@@ -3978,7 +3982,7 @@
             </a:ln>
             <a:extLst>
               <a:ext uri="{91240B29-F687-4f45-9708-019B960494DF}">
-                <a14:hiddenLine xmlns="" xmlns:a14="http://schemas.microsoft.com/office/drawing/2010/main" w="9525">
+                <a14:hiddenLine xmlns:a14="http://schemas.microsoft.com/office/drawing/2010/main" xmlns="" w="9525">
                   <a:solidFill>
                     <a:srgbClr val="000000"/>
                   </a:solidFill>
@@ -4098,7 +4102,7 @@
             </a:ln>
             <a:extLst>
               <a:ext uri="{91240B29-F687-4f45-9708-019B960494DF}">
-                <a14:hiddenLine xmlns="" xmlns:a14="http://schemas.microsoft.com/office/drawing/2010/main" w="9525">
+                <a14:hiddenLine xmlns:a14="http://schemas.microsoft.com/office/drawing/2010/main" xmlns="" w="9525">
                   <a:solidFill>
                     <a:srgbClr val="000000"/>
                   </a:solidFill>
@@ -4166,7 +4170,7 @@
             </a:ln>
             <a:extLst>
               <a:ext uri="{91240B29-F687-4f45-9708-019B960494DF}">
-                <a14:hiddenLine xmlns="" xmlns:a14="http://schemas.microsoft.com/office/drawing/2010/main" w="9525">
+                <a14:hiddenLine xmlns:a14="http://schemas.microsoft.com/office/drawing/2010/main" xmlns="" w="9525">
                   <a:solidFill>
                     <a:srgbClr val="000000"/>
                   </a:solidFill>
@@ -4256,7 +4260,7 @@
             </a:ln>
             <a:extLst>
               <a:ext uri="{91240B29-F687-4f45-9708-019B960494DF}">
-                <a14:hiddenLine xmlns="" xmlns:a14="http://schemas.microsoft.com/office/drawing/2010/main" w="9525">
+                <a14:hiddenLine xmlns:a14="http://schemas.microsoft.com/office/drawing/2010/main" xmlns="" w="9525">
                   <a:solidFill>
                     <a:srgbClr val="000000"/>
                   </a:solidFill>
@@ -8978,7 +8982,7 @@
           <a:noFill/>
           <a:extLst>
             <a:ext uri="{909E8E84-426E-40dd-AFC4-6F175D3DCCD1}">
-              <a14:hiddenFill xmlns="" xmlns:a14="http://schemas.microsoft.com/office/drawing/2010/main">
+              <a14:hiddenFill xmlns:a14="http://schemas.microsoft.com/office/drawing/2010/main" xmlns="">
                 <a:solidFill>
                   <a:srgbClr val="FFFFFF"/>
                 </a:solidFill>
@@ -9052,7 +9056,7 @@
               </a:ln>
               <a:extLst>
                 <a:ext uri="{91240B29-F687-4f45-9708-019B960494DF}">
-                  <a14:hiddenLine xmlns="" xmlns:a14="http://schemas.microsoft.com/office/drawing/2010/main" w="9525">
+                  <a14:hiddenLine xmlns:a14="http://schemas.microsoft.com/office/drawing/2010/main" xmlns="" w="9525">
                     <a:solidFill>
                       <a:srgbClr val="000000"/>
                     </a:solidFill>
@@ -9142,7 +9146,7 @@
               </a:ln>
               <a:extLst>
                 <a:ext uri="{91240B29-F687-4f45-9708-019B960494DF}">
-                  <a14:hiddenLine xmlns="" xmlns:a14="http://schemas.microsoft.com/office/drawing/2010/main" w="9525">
+                  <a14:hiddenLine xmlns:a14="http://schemas.microsoft.com/office/drawing/2010/main" xmlns="" w="9525">
                     <a:solidFill>
                       <a:srgbClr val="000000"/>
                     </a:solidFill>
@@ -9232,7 +9236,7 @@
               </a:ln>
               <a:extLst>
                 <a:ext uri="{91240B29-F687-4f45-9708-019B960494DF}">
-                  <a14:hiddenLine xmlns="" xmlns:a14="http://schemas.microsoft.com/office/drawing/2010/main" w="9525">
+                  <a14:hiddenLine xmlns:a14="http://schemas.microsoft.com/office/drawing/2010/main" xmlns="" w="9525">
                     <a:solidFill>
                       <a:srgbClr val="000000"/>
                     </a:solidFill>
@@ -9294,7 +9298,7 @@
               </a:ln>
               <a:extLst>
                 <a:ext uri="{91240B29-F687-4f45-9708-019B960494DF}">
-                  <a14:hiddenLine xmlns="" xmlns:a14="http://schemas.microsoft.com/office/drawing/2010/main" w="9525">
+                  <a14:hiddenLine xmlns:a14="http://schemas.microsoft.com/office/drawing/2010/main" xmlns="" w="9525">
                     <a:solidFill>
                       <a:srgbClr val="000000"/>
                     </a:solidFill>
@@ -9384,7 +9388,7 @@
               </a:ln>
               <a:extLst>
                 <a:ext uri="{91240B29-F687-4f45-9708-019B960494DF}">
-                  <a14:hiddenLine xmlns="" xmlns:a14="http://schemas.microsoft.com/office/drawing/2010/main" w="9525">
+                  <a14:hiddenLine xmlns:a14="http://schemas.microsoft.com/office/drawing/2010/main" xmlns="" w="9525">
                     <a:solidFill>
                       <a:srgbClr val="000000"/>
                     </a:solidFill>
@@ -9446,7 +9450,7 @@
               </a:ln>
               <a:extLst>
                 <a:ext uri="{91240B29-F687-4f45-9708-019B960494DF}">
-                  <a14:hiddenLine xmlns="" xmlns:a14="http://schemas.microsoft.com/office/drawing/2010/main" w="9525">
+                  <a14:hiddenLine xmlns:a14="http://schemas.microsoft.com/office/drawing/2010/main" xmlns="" w="9525">
                     <a:solidFill>
                       <a:srgbClr val="000000"/>
                     </a:solidFill>
@@ -9508,7 +9512,7 @@
               </a:ln>
               <a:extLst>
                 <a:ext uri="{91240B29-F687-4f45-9708-019B960494DF}">
-                  <a14:hiddenLine xmlns="" xmlns:a14="http://schemas.microsoft.com/office/drawing/2010/main" w="9525">
+                  <a14:hiddenLine xmlns:a14="http://schemas.microsoft.com/office/drawing/2010/main" xmlns="" w="9525">
                     <a:solidFill>
                       <a:srgbClr val="000000"/>
                     </a:solidFill>
@@ -9598,7 +9602,7 @@
               </a:ln>
               <a:extLst>
                 <a:ext uri="{91240B29-F687-4f45-9708-019B960494DF}">
-                  <a14:hiddenLine xmlns="" xmlns:a14="http://schemas.microsoft.com/office/drawing/2010/main" w="9525">
+                  <a14:hiddenLine xmlns:a14="http://schemas.microsoft.com/office/drawing/2010/main" xmlns="" w="9525">
                     <a:solidFill>
                       <a:srgbClr val="000000"/>
                     </a:solidFill>
@@ -9688,7 +9692,7 @@
               </a:ln>
               <a:extLst>
                 <a:ext uri="{91240B29-F687-4f45-9708-019B960494DF}">
-                  <a14:hiddenLine xmlns="" xmlns:a14="http://schemas.microsoft.com/office/drawing/2010/main" w="9525">
+                  <a14:hiddenLine xmlns:a14="http://schemas.microsoft.com/office/drawing/2010/main" xmlns="" w="9525">
                     <a:solidFill>
                       <a:srgbClr val="000000"/>
                     </a:solidFill>
@@ -9750,7 +9754,7 @@
               </a:ln>
               <a:extLst>
                 <a:ext uri="{91240B29-F687-4f45-9708-019B960494DF}">
-                  <a14:hiddenLine xmlns="" xmlns:a14="http://schemas.microsoft.com/office/drawing/2010/main" w="9525">
+                  <a14:hiddenLine xmlns:a14="http://schemas.microsoft.com/office/drawing/2010/main" xmlns="" w="9525">
                     <a:solidFill>
                       <a:srgbClr val="000000"/>
                     </a:solidFill>
@@ -9860,7 +9864,7 @@
               </a:ln>
               <a:extLst>
                 <a:ext uri="{91240B29-F687-4f45-9708-019B960494DF}">
-                  <a14:hiddenLine xmlns="" xmlns:a14="http://schemas.microsoft.com/office/drawing/2010/main" w="9525">
+                  <a14:hiddenLine xmlns:a14="http://schemas.microsoft.com/office/drawing/2010/main" xmlns="" w="9525">
                     <a:solidFill>
                       <a:srgbClr val="000000"/>
                     </a:solidFill>
@@ -9944,7 +9948,7 @@
               </a:ln>
               <a:extLst>
                 <a:ext uri="{91240B29-F687-4f45-9708-019B960494DF}">
-                  <a14:hiddenLine xmlns="" xmlns:a14="http://schemas.microsoft.com/office/drawing/2010/main" w="9525">
+                  <a14:hiddenLine xmlns:a14="http://schemas.microsoft.com/office/drawing/2010/main" xmlns="" w="9525">
                     <a:solidFill>
                       <a:srgbClr val="000000"/>
                     </a:solidFill>
@@ -10006,7 +10010,7 @@
               </a:ln>
               <a:extLst>
                 <a:ext uri="{91240B29-F687-4f45-9708-019B960494DF}">
-                  <a14:hiddenLine xmlns="" xmlns:a14="http://schemas.microsoft.com/office/drawing/2010/main" w="9525">
+                  <a14:hiddenLine xmlns:a14="http://schemas.microsoft.com/office/drawing/2010/main" xmlns="" w="9525">
                     <a:solidFill>
                       <a:srgbClr val="000000"/>
                     </a:solidFill>
@@ -10068,7 +10072,7 @@
               </a:ln>
               <a:extLst>
                 <a:ext uri="{91240B29-F687-4f45-9708-019B960494DF}">
-                  <a14:hiddenLine xmlns="" xmlns:a14="http://schemas.microsoft.com/office/drawing/2010/main" w="9525">
+                  <a14:hiddenLine xmlns:a14="http://schemas.microsoft.com/office/drawing/2010/main" xmlns="" w="9525">
                     <a:solidFill>
                       <a:srgbClr val="000000"/>
                     </a:solidFill>
@@ -10158,7 +10162,7 @@
               </a:ln>
               <a:extLst>
                 <a:ext uri="{91240B29-F687-4f45-9708-019B960494DF}">
-                  <a14:hiddenLine xmlns="" xmlns:a14="http://schemas.microsoft.com/office/drawing/2010/main" w="9525">
+                  <a14:hiddenLine xmlns:a14="http://schemas.microsoft.com/office/drawing/2010/main" xmlns="" w="9525">
                     <a:solidFill>
                       <a:srgbClr val="000000"/>
                     </a:solidFill>
@@ -10192,7 +10196,7 @@
               </a:ln>
               <a:extLst>
                 <a:ext uri="{91240B29-F687-4f45-9708-019B960494DF}">
-                  <a14:hiddenLine xmlns="" xmlns:a14="http://schemas.microsoft.com/office/drawing/2010/main" w="9525">
+                  <a14:hiddenLine xmlns:a14="http://schemas.microsoft.com/office/drawing/2010/main" xmlns="" w="9525">
                     <a:solidFill>
                       <a:srgbClr val="000000"/>
                     </a:solidFill>
@@ -10257,7 +10261,7 @@
               </a:ln>
               <a:extLst>
                 <a:ext uri="{91240B29-F687-4f45-9708-019B960494DF}">
-                  <a14:hiddenLine xmlns="" xmlns:a14="http://schemas.microsoft.com/office/drawing/2010/main" w="9525">
+                  <a14:hiddenLine xmlns:a14="http://schemas.microsoft.com/office/drawing/2010/main" xmlns="" w="9525">
                     <a:solidFill>
                       <a:srgbClr val="000000"/>
                     </a:solidFill>
@@ -10347,7 +10351,7 @@
               </a:ln>
               <a:extLst>
                 <a:ext uri="{91240B29-F687-4f45-9708-019B960494DF}">
-                  <a14:hiddenLine xmlns="" xmlns:a14="http://schemas.microsoft.com/office/drawing/2010/main" w="9525">
+                  <a14:hiddenLine xmlns:a14="http://schemas.microsoft.com/office/drawing/2010/main" xmlns="" w="9525">
                     <a:solidFill>
                       <a:srgbClr val="000000"/>
                     </a:solidFill>
@@ -10409,7 +10413,7 @@
               </a:ln>
               <a:extLst>
                 <a:ext uri="{91240B29-F687-4f45-9708-019B960494DF}">
-                  <a14:hiddenLine xmlns="" xmlns:a14="http://schemas.microsoft.com/office/drawing/2010/main" w="9525">
+                  <a14:hiddenLine xmlns:a14="http://schemas.microsoft.com/office/drawing/2010/main" xmlns="" w="9525">
                     <a:solidFill>
                       <a:srgbClr val="000000"/>
                     </a:solidFill>
@@ -10499,7 +10503,7 @@
               </a:ln>
               <a:extLst>
                 <a:ext uri="{91240B29-F687-4f45-9708-019B960494DF}">
-                  <a14:hiddenLine xmlns="" xmlns:a14="http://schemas.microsoft.com/office/drawing/2010/main" w="9525">
+                  <a14:hiddenLine xmlns:a14="http://schemas.microsoft.com/office/drawing/2010/main" xmlns="" w="9525">
                     <a:solidFill>
                       <a:srgbClr val="000000"/>
                     </a:solidFill>
@@ -10564,7 +10568,7 @@
               </a:ln>
               <a:extLst>
                 <a:ext uri="{91240B29-F687-4f45-9708-019B960494DF}">
-                  <a14:hiddenLine xmlns="" xmlns:a14="http://schemas.microsoft.com/office/drawing/2010/main" w="9525">
+                  <a14:hiddenLine xmlns:a14="http://schemas.microsoft.com/office/drawing/2010/main" xmlns="" w="9525">
                     <a:solidFill>
                       <a:srgbClr val="000000"/>
                     </a:solidFill>
@@ -10626,7 +10630,7 @@
               </a:ln>
               <a:extLst>
                 <a:ext uri="{91240B29-F687-4f45-9708-019B960494DF}">
-                  <a14:hiddenLine xmlns="" xmlns:a14="http://schemas.microsoft.com/office/drawing/2010/main" w="9525">
+                  <a14:hiddenLine xmlns:a14="http://schemas.microsoft.com/office/drawing/2010/main" xmlns="" w="9525">
                     <a:solidFill>
                       <a:srgbClr val="000000"/>
                     </a:solidFill>
@@ -10716,7 +10720,7 @@
               </a:ln>
               <a:extLst>
                 <a:ext uri="{91240B29-F687-4f45-9708-019B960494DF}">
-                  <a14:hiddenLine xmlns="" xmlns:a14="http://schemas.microsoft.com/office/drawing/2010/main" w="9525">
+                  <a14:hiddenLine xmlns:a14="http://schemas.microsoft.com/office/drawing/2010/main" xmlns="" w="9525">
                     <a:solidFill>
                       <a:srgbClr val="000000"/>
                     </a:solidFill>
@@ -10806,7 +10810,7 @@
               </a:ln>
               <a:extLst>
                 <a:ext uri="{91240B29-F687-4f45-9708-019B960494DF}">
-                  <a14:hiddenLine xmlns="" xmlns:a14="http://schemas.microsoft.com/office/drawing/2010/main" w="9525">
+                  <a14:hiddenLine xmlns:a14="http://schemas.microsoft.com/office/drawing/2010/main" xmlns="" w="9525">
                     <a:solidFill>
                       <a:srgbClr val="000000"/>
                     </a:solidFill>
@@ -10871,7 +10875,7 @@
               </a:ln>
               <a:extLst>
                 <a:ext uri="{91240B29-F687-4f45-9708-019B960494DF}">
-                  <a14:hiddenLine xmlns="" xmlns:a14="http://schemas.microsoft.com/office/drawing/2010/main" w="9525">
+                  <a14:hiddenLine xmlns:a14="http://schemas.microsoft.com/office/drawing/2010/main" xmlns="" w="9525">
                     <a:solidFill>
                       <a:srgbClr val="000000"/>
                     </a:solidFill>
@@ -10991,7 +10995,7 @@
               </a:ln>
               <a:extLst>
                 <a:ext uri="{91240B29-F687-4f45-9708-019B960494DF}">
-                  <a14:hiddenLine xmlns="" xmlns:a14="http://schemas.microsoft.com/office/drawing/2010/main" w="9525">
+                  <a14:hiddenLine xmlns:a14="http://schemas.microsoft.com/office/drawing/2010/main" xmlns="" w="9525">
                     <a:solidFill>
                       <a:srgbClr val="000000"/>
                     </a:solidFill>
@@ -11089,7 +11093,7 @@
               </a:ln>
               <a:extLst>
                 <a:ext uri="{91240B29-F687-4f45-9708-019B960494DF}">
-                  <a14:hiddenLine xmlns="" xmlns:a14="http://schemas.microsoft.com/office/drawing/2010/main" w="9525">
+                  <a14:hiddenLine xmlns:a14="http://schemas.microsoft.com/office/drawing/2010/main" xmlns="" w="9525">
                     <a:solidFill>
                       <a:srgbClr val="000000"/>
                     </a:solidFill>
@@ -11204,7 +11208,7 @@
               </a:ln>
               <a:extLst>
                 <a:ext uri="{91240B29-F687-4f45-9708-019B960494DF}">
-                  <a14:hiddenLine xmlns="" xmlns:a14="http://schemas.microsoft.com/office/drawing/2010/main" w="9525">
+                  <a14:hiddenLine xmlns:a14="http://schemas.microsoft.com/office/drawing/2010/main" xmlns="" w="9525">
                     <a:solidFill>
                       <a:srgbClr val="000000"/>
                     </a:solidFill>
@@ -11294,7 +11298,7 @@
               </a:ln>
               <a:extLst>
                 <a:ext uri="{91240B29-F687-4f45-9708-019B960494DF}">
-                  <a14:hiddenLine xmlns="" xmlns:a14="http://schemas.microsoft.com/office/drawing/2010/main" w="9525">
+                  <a14:hiddenLine xmlns:a14="http://schemas.microsoft.com/office/drawing/2010/main" xmlns="" w="9525">
                     <a:solidFill>
                       <a:srgbClr val="000000"/>
                     </a:solidFill>
@@ -11359,7 +11363,7 @@
               </a:ln>
               <a:extLst>
                 <a:ext uri="{91240B29-F687-4f45-9708-019B960494DF}">
-                  <a14:hiddenLine xmlns="" xmlns:a14="http://schemas.microsoft.com/office/drawing/2010/main" w="9525">
+                  <a14:hiddenLine xmlns:a14="http://schemas.microsoft.com/office/drawing/2010/main" xmlns="" w="9525">
                     <a:solidFill>
                       <a:srgbClr val="000000"/>
                     </a:solidFill>
@@ -11449,7 +11453,7 @@
               </a:ln>
               <a:extLst>
                 <a:ext uri="{91240B29-F687-4f45-9708-019B960494DF}">
-                  <a14:hiddenLine xmlns="" xmlns:a14="http://schemas.microsoft.com/office/drawing/2010/main" w="9525">
+                  <a14:hiddenLine xmlns:a14="http://schemas.microsoft.com/office/drawing/2010/main" xmlns="" w="9525">
                     <a:solidFill>
                       <a:srgbClr val="000000"/>
                     </a:solidFill>
@@ -11517,7 +11521,7 @@
               </a:ln>
               <a:extLst>
                 <a:ext uri="{91240B29-F687-4f45-9708-019B960494DF}">
-                  <a14:hiddenLine xmlns="" xmlns:a14="http://schemas.microsoft.com/office/drawing/2010/main" w="9525">
+                  <a14:hiddenLine xmlns:a14="http://schemas.microsoft.com/office/drawing/2010/main" xmlns="" w="9525">
                     <a:solidFill>
                       <a:srgbClr val="000000"/>
                     </a:solidFill>
@@ -11607,7 +11611,7 @@
               </a:ln>
               <a:extLst>
                 <a:ext uri="{91240B29-F687-4f45-9708-019B960494DF}">
-                  <a14:hiddenLine xmlns="" xmlns:a14="http://schemas.microsoft.com/office/drawing/2010/main" w="9525">
+                  <a14:hiddenLine xmlns:a14="http://schemas.microsoft.com/office/drawing/2010/main" xmlns="" w="9525">
                     <a:solidFill>
                       <a:srgbClr val="000000"/>
                     </a:solidFill>
@@ -11675,7 +11679,7 @@
               </a:ln>
               <a:extLst>
                 <a:ext uri="{91240B29-F687-4f45-9708-019B960494DF}">
-                  <a14:hiddenLine xmlns="" xmlns:a14="http://schemas.microsoft.com/office/drawing/2010/main" w="9525">
+                  <a14:hiddenLine xmlns:a14="http://schemas.microsoft.com/office/drawing/2010/main" xmlns="" w="9525">
                     <a:solidFill>
                       <a:srgbClr val="000000"/>
                     </a:solidFill>
@@ -11765,7 +11769,7 @@
               </a:ln>
               <a:extLst>
                 <a:ext uri="{91240B29-F687-4f45-9708-019B960494DF}">
-                  <a14:hiddenLine xmlns="" xmlns:a14="http://schemas.microsoft.com/office/drawing/2010/main" w="9525">
+                  <a14:hiddenLine xmlns:a14="http://schemas.microsoft.com/office/drawing/2010/main" xmlns="" w="9525">
                     <a:solidFill>
                       <a:srgbClr val="000000"/>
                     </a:solidFill>
@@ -11799,7 +11803,7 @@
               </a:ln>
               <a:extLst>
                 <a:ext uri="{91240B29-F687-4f45-9708-019B960494DF}">
-                  <a14:hiddenLine xmlns="" xmlns:a14="http://schemas.microsoft.com/office/drawing/2010/main" w="9525">
+                  <a14:hiddenLine xmlns:a14="http://schemas.microsoft.com/office/drawing/2010/main" xmlns="" w="9525">
                     <a:solidFill>
                       <a:srgbClr val="000000"/>
                     </a:solidFill>
@@ -13902,15 +13906,7 @@
           <a:p>
             <a:r>
               <a:rPr lang="de-CH" dirty="0" err="1"/>
-              <a:t>What</a:t>
-            </a:r>
-            <a:r>
-              <a:rPr lang="de-CH" dirty="0"/>
-              <a:t> was </a:t>
-            </a:r>
-            <a:r>
-              <a:rPr lang="de-CH" dirty="0" err="1"/>
-              <a:t>one</a:t>
+              <a:t>How</a:t>
             </a:r>
             <a:r>
               <a:rPr lang="de-CH" dirty="0"/>
@@ -13918,7 +13914,7 @@
             </a:r>
             <a:r>
               <a:rPr lang="de-CH" dirty="0" err="1"/>
-              <a:t>of</a:t>
+              <a:t>is</a:t>
             </a:r>
             <a:r>
               <a:rPr lang="de-CH" dirty="0"/>
@@ -13934,7 +13930,7 @@
             </a:r>
             <a:r>
               <a:rPr lang="de-CH" dirty="0" err="1"/>
-              <a:t>topics</a:t>
+              <a:t>project</a:t>
             </a:r>
             <a:r>
               <a:rPr lang="de-CH" dirty="0"/>
@@ -13942,15 +13938,23 @@
             </a:r>
             <a:r>
               <a:rPr lang="de-CH" dirty="0" err="1"/>
-              <a:t>from</a:t>
+              <a:t>structure</a:t>
             </a:r>
             <a:r>
               <a:rPr lang="de-CH" dirty="0"/>
-              <a:t> last </a:t>
+              <a:t>  </a:t>
             </a:r>
             <a:r>
               <a:rPr lang="de-CH" dirty="0" err="1"/>
-              <a:t>week's</a:t>
+              <a:t>of</a:t>
+            </a:r>
+            <a:r>
+              <a:rPr lang="de-CH" dirty="0"/>
+              <a:t> Mr. </a:t>
+            </a:r>
+            <a:r>
+              <a:rPr lang="de-CH" dirty="0" err="1"/>
+              <a:t>Stygers</a:t>
             </a:r>
             <a:r>
               <a:rPr lang="de-CH" dirty="0"/>
@@ -13958,7 +13962,23 @@
             </a:r>
             <a:r>
               <a:rPr lang="de-CH" dirty="0" err="1"/>
-              <a:t>recap</a:t>
+              <a:t>default</a:t>
+            </a:r>
+            <a:r>
+              <a:rPr lang="de-CH" dirty="0"/>
+              <a:t> </a:t>
+            </a:r>
+            <a:r>
+              <a:rPr lang="de-CH" dirty="0" err="1"/>
+              <a:t>project</a:t>
+            </a:r>
+            <a:r>
+              <a:rPr lang="de-CH" dirty="0"/>
+              <a:t> </a:t>
+            </a:r>
+            <a:r>
+              <a:rPr lang="de-CH" dirty="0" err="1"/>
+              <a:t>organized</a:t>
             </a:r>
             <a:r>
               <a:rPr lang="de-CH" dirty="0"/>
@@ -13971,8 +13991,12 @@
               <a:buChar char="-"/>
             </a:pPr>
             <a:r>
+              <a:rPr lang="de-CH" dirty="0"/>
+              <a:t>Real </a:t>
+            </a:r>
+            <a:r>
               <a:rPr lang="de-CH" dirty="0" err="1"/>
-              <a:t>Inheritance</a:t>
+              <a:t>library</a:t>
             </a:r>
             <a:endParaRPr lang="de-CH" dirty="0"/>
           </a:p>
@@ -13982,13 +14006,14 @@
               <a:buChar char="-"/>
             </a:pPr>
             <a:r>
+              <a:rPr lang="de-CH" dirty="0"/>
+              <a:t>Folder outside </a:t>
+            </a:r>
+            <a:r>
               <a:rPr lang="de-CH" dirty="0" err="1"/>
-              <a:t>Processor</a:t>
-            </a:r>
-            <a:r>
-              <a:rPr lang="de-CH" dirty="0"/>
-              <a:t> Expert</a:t>
-            </a:r>
+              <a:t>project</a:t>
+            </a:r>
+            <a:endParaRPr lang="de-CH" dirty="0"/>
           </a:p>
           <a:p>
             <a:pPr lvl="1">
@@ -13996,8 +14021,12 @@
               <a:buChar char="-"/>
             </a:pPr>
             <a:r>
+              <a:rPr lang="de-CH" dirty="0"/>
+              <a:t>Folder </a:t>
+            </a:r>
+            <a:r>
               <a:rPr lang="de-CH" dirty="0" err="1"/>
-              <a:t>nonviolent</a:t>
+              <a:t>inside</a:t>
             </a:r>
             <a:r>
               <a:rPr lang="de-CH" dirty="0"/>
@@ -14005,9 +14034,20 @@
             </a:r>
             <a:r>
               <a:rPr lang="de-CH" dirty="0" err="1"/>
-              <a:t>communications</a:t>
-            </a:r>
-            <a:endParaRPr lang="de-CH" dirty="0"/>
+              <a:t>project</a:t>
+            </a:r>
+            <a:r>
+              <a:rPr lang="de-CH" dirty="0"/>
+              <a:t> (</a:t>
+            </a:r>
+            <a:r>
+              <a:rPr lang="de-CH" dirty="0" err="1"/>
+              <a:t>with</a:t>
+            </a:r>
+            <a:r>
+              <a:rPr lang="de-CH" dirty="0"/>
+              <a:t> relative link)</a:t>
+            </a:r>
           </a:p>
           <a:p>
             <a:pPr lvl="1">
@@ -14016,7 +14056,31 @@
             </a:pPr>
             <a:r>
               <a:rPr lang="de-CH" dirty="0"/>
-              <a:t>Version Control System</a:t>
+              <a:t>Folder </a:t>
+            </a:r>
+            <a:r>
+              <a:rPr lang="de-CH" dirty="0" err="1"/>
+              <a:t>inside</a:t>
+            </a:r>
+            <a:r>
+              <a:rPr lang="de-CH" dirty="0"/>
+              <a:t> </a:t>
+            </a:r>
+            <a:r>
+              <a:rPr lang="de-CH" dirty="0" err="1"/>
+              <a:t>project</a:t>
+            </a:r>
+            <a:r>
+              <a:rPr lang="de-CH" dirty="0"/>
+              <a:t> (</a:t>
+            </a:r>
+            <a:r>
+              <a:rPr lang="de-CH" dirty="0" err="1"/>
+              <a:t>with</a:t>
+            </a:r>
+            <a:r>
+              <a:rPr lang="de-CH" dirty="0"/>
+              <a:t> absolute link)</a:t>
             </a:r>
           </a:p>
           <a:p>
@@ -14026,11 +14090,11 @@
             </a:pPr>
             <a:r>
               <a:rPr lang="de-CH" dirty="0"/>
-              <a:t>Project </a:t>
-            </a:r>
-            <a:r>
-              <a:rPr lang="de-CH" dirty="0" err="1"/>
-              <a:t>Structure</a:t>
+              <a:t>Virtual </a:t>
+            </a:r>
+            <a:r>
+              <a:rPr lang="de-CH"/>
+              <a:t>folder</a:t>
             </a:r>
             <a:endParaRPr lang="de-CH" dirty="0"/>
           </a:p>

--- a/Recap_06.10.17.pptx
+++ b/Recap_06.10.17.pptx
@@ -4,6 +4,9 @@
   <p:sldMasterIdLst>
     <p:sldMasterId id="2147483648" r:id="rId1"/>
   </p:sldMasterIdLst>
+  <p:notesMasterIdLst>
+    <p:notesMasterId r:id="rId14"/>
+  </p:notesMasterIdLst>
   <p:sldIdLst>
     <p:sldId id="256" r:id="rId2"/>
     <p:sldId id="257" r:id="rId3"/>
@@ -14,6 +17,9 @@
     <p:sldId id="267" r:id="rId8"/>
     <p:sldId id="269" r:id="rId9"/>
     <p:sldId id="271" r:id="rId10"/>
+    <p:sldId id="272" r:id="rId11"/>
+    <p:sldId id="273" r:id="rId12"/>
+    <p:sldId id="275" r:id="rId13"/>
   </p:sldIdLst>
   <p:sldSz cx="12192000" cy="6858000"/>
   <p:notesSz cx="6858000" cy="9144000"/>
@@ -122,6 +128,788 @@
 
 <file path=ppt/revisionInfo.xml><?xml version="1.0" encoding="utf-8"?>
 <p1510:revInfo xmlns:a="http://schemas.openxmlformats.org/drawingml/2006/main" xmlns:r="http://schemas.openxmlformats.org/officeDocument/2006/relationships" xmlns:p1510="http://schemas.microsoft.com/office/powerpoint/2015/10/main"/>
+</file>
+
+<file path=ppt/notesMasters/notesMaster1.xml><?xml version="1.0" encoding="utf-8"?>
+<p:notesMaster xmlns:a="http://schemas.openxmlformats.org/drawingml/2006/main" xmlns:r="http://schemas.openxmlformats.org/officeDocument/2006/relationships" xmlns:p="http://schemas.openxmlformats.org/presentationml/2006/main">
+  <p:cSld>
+    <p:bg>
+      <p:bgRef idx="1001">
+        <a:schemeClr val="bg1"/>
+      </p:bgRef>
+    </p:bg>
+    <p:spTree>
+      <p:nvGrpSpPr>
+        <p:cNvPr id="1" name=""/>
+        <p:cNvGrpSpPr/>
+        <p:nvPr/>
+      </p:nvGrpSpPr>
+      <p:grpSpPr>
+        <a:xfrm>
+          <a:off x="0" y="0"/>
+          <a:ext cx="0" cy="0"/>
+          <a:chOff x="0" y="0"/>
+          <a:chExt cx="0" cy="0"/>
+        </a:xfrm>
+      </p:grpSpPr>
+      <p:sp>
+        <p:nvSpPr>
+          <p:cNvPr id="2" name="Kopfzeilenplatzhalter 1"/>
+          <p:cNvSpPr>
+            <a:spLocks noGrp="1"/>
+          </p:cNvSpPr>
+          <p:nvPr>
+            <p:ph type="hdr" sz="quarter"/>
+          </p:nvPr>
+        </p:nvSpPr>
+        <p:spPr>
+          <a:xfrm>
+            <a:off x="0" y="0"/>
+            <a:ext cx="2971800" cy="458788"/>
+          </a:xfrm>
+          <a:prstGeom prst="rect">
+            <a:avLst/>
+          </a:prstGeom>
+        </p:spPr>
+        <p:txBody>
+          <a:bodyPr vert="horz" lIns="91440" tIns="45720" rIns="91440" bIns="45720" rtlCol="0"/>
+          <a:lstStyle>
+            <a:lvl1pPr algn="l">
+              <a:defRPr sz="1200"/>
+            </a:lvl1pPr>
+          </a:lstStyle>
+          <a:p>
+            <a:endParaRPr lang="de-CH"/>
+          </a:p>
+        </p:txBody>
+      </p:sp>
+      <p:sp>
+        <p:nvSpPr>
+          <p:cNvPr id="3" name="Datumsplatzhalter 2"/>
+          <p:cNvSpPr>
+            <a:spLocks noGrp="1"/>
+          </p:cNvSpPr>
+          <p:nvPr>
+            <p:ph type="dt" idx="1"/>
+          </p:nvPr>
+        </p:nvSpPr>
+        <p:spPr>
+          <a:xfrm>
+            <a:off x="3884613" y="0"/>
+            <a:ext cx="2971800" cy="458788"/>
+          </a:xfrm>
+          <a:prstGeom prst="rect">
+            <a:avLst/>
+          </a:prstGeom>
+        </p:spPr>
+        <p:txBody>
+          <a:bodyPr vert="horz" lIns="91440" tIns="45720" rIns="91440" bIns="45720" rtlCol="0"/>
+          <a:lstStyle>
+            <a:lvl1pPr algn="r">
+              <a:defRPr sz="1200"/>
+            </a:lvl1pPr>
+          </a:lstStyle>
+          <a:p>
+            <a:fld id="{DE799185-4BBA-4A9C-BAE2-B7F8246AD4E9}" type="datetimeFigureOut">
+              <a:rPr lang="de-CH" smtClean="0"/>
+              <a:t>05.10.2017</a:t>
+            </a:fld>
+            <a:endParaRPr lang="de-CH"/>
+          </a:p>
+        </p:txBody>
+      </p:sp>
+      <p:sp>
+        <p:nvSpPr>
+          <p:cNvPr id="4" name="Folienbildplatzhalter 3"/>
+          <p:cNvSpPr>
+            <a:spLocks noGrp="1" noRot="1" noChangeAspect="1"/>
+          </p:cNvSpPr>
+          <p:nvPr>
+            <p:ph type="sldImg" idx="2"/>
+          </p:nvPr>
+        </p:nvSpPr>
+        <p:spPr>
+          <a:xfrm>
+            <a:off x="685800" y="1143000"/>
+            <a:ext cx="5486400" cy="3086100"/>
+          </a:xfrm>
+          <a:prstGeom prst="rect">
+            <a:avLst/>
+          </a:prstGeom>
+          <a:noFill/>
+          <a:ln w="12700">
+            <a:solidFill>
+              <a:prstClr val="black"/>
+            </a:solidFill>
+          </a:ln>
+        </p:spPr>
+        <p:txBody>
+          <a:bodyPr vert="horz" lIns="91440" tIns="45720" rIns="91440" bIns="45720" rtlCol="0" anchor="ctr"/>
+          <a:lstStyle/>
+          <a:p>
+            <a:endParaRPr lang="de-CH"/>
+          </a:p>
+        </p:txBody>
+      </p:sp>
+      <p:sp>
+        <p:nvSpPr>
+          <p:cNvPr id="5" name="Notizenplatzhalter 4"/>
+          <p:cNvSpPr>
+            <a:spLocks noGrp="1"/>
+          </p:cNvSpPr>
+          <p:nvPr>
+            <p:ph type="body" sz="quarter" idx="3"/>
+          </p:nvPr>
+        </p:nvSpPr>
+        <p:spPr>
+          <a:xfrm>
+            <a:off x="685800" y="4400550"/>
+            <a:ext cx="5486400" cy="3600450"/>
+          </a:xfrm>
+          <a:prstGeom prst="rect">
+            <a:avLst/>
+          </a:prstGeom>
+        </p:spPr>
+        <p:txBody>
+          <a:bodyPr vert="horz" lIns="91440" tIns="45720" rIns="91440" bIns="45720" rtlCol="0"/>
+          <a:lstStyle/>
+          <a:p>
+            <a:pPr lvl="0"/>
+            <a:r>
+              <a:rPr lang="de-DE"/>
+              <a:t>Mastertextformat bearbeiten</a:t>
+            </a:r>
+          </a:p>
+          <a:p>
+            <a:pPr lvl="1"/>
+            <a:r>
+              <a:rPr lang="de-DE"/>
+              <a:t>Zweite Ebene</a:t>
+            </a:r>
+          </a:p>
+          <a:p>
+            <a:pPr lvl="2"/>
+            <a:r>
+              <a:rPr lang="de-DE"/>
+              <a:t>Dritte Ebene</a:t>
+            </a:r>
+          </a:p>
+          <a:p>
+            <a:pPr lvl="3"/>
+            <a:r>
+              <a:rPr lang="de-DE"/>
+              <a:t>Vierte Ebene</a:t>
+            </a:r>
+          </a:p>
+          <a:p>
+            <a:pPr lvl="4"/>
+            <a:r>
+              <a:rPr lang="de-DE"/>
+              <a:t>Fünfte Ebene</a:t>
+            </a:r>
+            <a:endParaRPr lang="de-CH"/>
+          </a:p>
+        </p:txBody>
+      </p:sp>
+      <p:sp>
+        <p:nvSpPr>
+          <p:cNvPr id="6" name="Fußzeilenplatzhalter 5"/>
+          <p:cNvSpPr>
+            <a:spLocks noGrp="1"/>
+          </p:cNvSpPr>
+          <p:nvPr>
+            <p:ph type="ftr" sz="quarter" idx="4"/>
+          </p:nvPr>
+        </p:nvSpPr>
+        <p:spPr>
+          <a:xfrm>
+            <a:off x="0" y="8685213"/>
+            <a:ext cx="2971800" cy="458787"/>
+          </a:xfrm>
+          <a:prstGeom prst="rect">
+            <a:avLst/>
+          </a:prstGeom>
+        </p:spPr>
+        <p:txBody>
+          <a:bodyPr vert="horz" lIns="91440" tIns="45720" rIns="91440" bIns="45720" rtlCol="0" anchor="b"/>
+          <a:lstStyle>
+            <a:lvl1pPr algn="l">
+              <a:defRPr sz="1200"/>
+            </a:lvl1pPr>
+          </a:lstStyle>
+          <a:p>
+            <a:endParaRPr lang="de-CH"/>
+          </a:p>
+        </p:txBody>
+      </p:sp>
+      <p:sp>
+        <p:nvSpPr>
+          <p:cNvPr id="7" name="Foliennummernplatzhalter 6"/>
+          <p:cNvSpPr>
+            <a:spLocks noGrp="1"/>
+          </p:cNvSpPr>
+          <p:nvPr>
+            <p:ph type="sldNum" sz="quarter" idx="5"/>
+          </p:nvPr>
+        </p:nvSpPr>
+        <p:spPr>
+          <a:xfrm>
+            <a:off x="3884613" y="8685213"/>
+            <a:ext cx="2971800" cy="458787"/>
+          </a:xfrm>
+          <a:prstGeom prst="rect">
+            <a:avLst/>
+          </a:prstGeom>
+        </p:spPr>
+        <p:txBody>
+          <a:bodyPr vert="horz" lIns="91440" tIns="45720" rIns="91440" bIns="45720" rtlCol="0" anchor="b"/>
+          <a:lstStyle>
+            <a:lvl1pPr algn="r">
+              <a:defRPr sz="1200"/>
+            </a:lvl1pPr>
+          </a:lstStyle>
+          <a:p>
+            <a:fld id="{A29D2793-EC31-4B53-88DA-7B3ABA8C9638}" type="slidenum">
+              <a:rPr lang="de-CH" smtClean="0"/>
+              <a:t>‹Nr.›</a:t>
+            </a:fld>
+            <a:endParaRPr lang="de-CH"/>
+          </a:p>
+        </p:txBody>
+      </p:sp>
+    </p:spTree>
+    <p:extLst>
+      <p:ext uri="{BB962C8B-B14F-4D97-AF65-F5344CB8AC3E}">
+        <p14:creationId xmlns:p14="http://schemas.microsoft.com/office/powerpoint/2010/main" val="2729132338"/>
+      </p:ext>
+    </p:extLst>
+  </p:cSld>
+  <p:clrMap bg1="lt1" tx1="dk1" bg2="lt2" tx2="dk2" accent1="accent1" accent2="accent2" accent3="accent3" accent4="accent4" accent5="accent5" accent6="accent6" hlink="hlink" folHlink="folHlink"/>
+  <p:notesStyle>
+    <a:lvl1pPr marL="0" algn="l" defTabSz="914400" rtl="0" eaLnBrk="1" latinLnBrk="0" hangingPunct="1">
+      <a:defRPr sz="1200" kern="1200">
+        <a:solidFill>
+          <a:schemeClr val="tx1"/>
+        </a:solidFill>
+        <a:latin typeface="+mn-lt"/>
+        <a:ea typeface="+mn-ea"/>
+        <a:cs typeface="+mn-cs"/>
+      </a:defRPr>
+    </a:lvl1pPr>
+    <a:lvl2pPr marL="457200" algn="l" defTabSz="914400" rtl="0" eaLnBrk="1" latinLnBrk="0" hangingPunct="1">
+      <a:defRPr sz="1200" kern="1200">
+        <a:solidFill>
+          <a:schemeClr val="tx1"/>
+        </a:solidFill>
+        <a:latin typeface="+mn-lt"/>
+        <a:ea typeface="+mn-ea"/>
+        <a:cs typeface="+mn-cs"/>
+      </a:defRPr>
+    </a:lvl2pPr>
+    <a:lvl3pPr marL="914400" algn="l" defTabSz="914400" rtl="0" eaLnBrk="1" latinLnBrk="0" hangingPunct="1">
+      <a:defRPr sz="1200" kern="1200">
+        <a:solidFill>
+          <a:schemeClr val="tx1"/>
+        </a:solidFill>
+        <a:latin typeface="+mn-lt"/>
+        <a:ea typeface="+mn-ea"/>
+        <a:cs typeface="+mn-cs"/>
+      </a:defRPr>
+    </a:lvl3pPr>
+    <a:lvl4pPr marL="1371600" algn="l" defTabSz="914400" rtl="0" eaLnBrk="1" latinLnBrk="0" hangingPunct="1">
+      <a:defRPr sz="1200" kern="1200">
+        <a:solidFill>
+          <a:schemeClr val="tx1"/>
+        </a:solidFill>
+        <a:latin typeface="+mn-lt"/>
+        <a:ea typeface="+mn-ea"/>
+        <a:cs typeface="+mn-cs"/>
+      </a:defRPr>
+    </a:lvl4pPr>
+    <a:lvl5pPr marL="1828800" algn="l" defTabSz="914400" rtl="0" eaLnBrk="1" latinLnBrk="0" hangingPunct="1">
+      <a:defRPr sz="1200" kern="1200">
+        <a:solidFill>
+          <a:schemeClr val="tx1"/>
+        </a:solidFill>
+        <a:latin typeface="+mn-lt"/>
+        <a:ea typeface="+mn-ea"/>
+        <a:cs typeface="+mn-cs"/>
+      </a:defRPr>
+    </a:lvl5pPr>
+    <a:lvl6pPr marL="2286000" algn="l" defTabSz="914400" rtl="0" eaLnBrk="1" latinLnBrk="0" hangingPunct="1">
+      <a:defRPr sz="1200" kern="1200">
+        <a:solidFill>
+          <a:schemeClr val="tx1"/>
+        </a:solidFill>
+        <a:latin typeface="+mn-lt"/>
+        <a:ea typeface="+mn-ea"/>
+        <a:cs typeface="+mn-cs"/>
+      </a:defRPr>
+    </a:lvl6pPr>
+    <a:lvl7pPr marL="2743200" algn="l" defTabSz="914400" rtl="0" eaLnBrk="1" latinLnBrk="0" hangingPunct="1">
+      <a:defRPr sz="1200" kern="1200">
+        <a:solidFill>
+          <a:schemeClr val="tx1"/>
+        </a:solidFill>
+        <a:latin typeface="+mn-lt"/>
+        <a:ea typeface="+mn-ea"/>
+        <a:cs typeface="+mn-cs"/>
+      </a:defRPr>
+    </a:lvl7pPr>
+    <a:lvl8pPr marL="3200400" algn="l" defTabSz="914400" rtl="0" eaLnBrk="1" latinLnBrk="0" hangingPunct="1">
+      <a:defRPr sz="1200" kern="1200">
+        <a:solidFill>
+          <a:schemeClr val="tx1"/>
+        </a:solidFill>
+        <a:latin typeface="+mn-lt"/>
+        <a:ea typeface="+mn-ea"/>
+        <a:cs typeface="+mn-cs"/>
+      </a:defRPr>
+    </a:lvl8pPr>
+    <a:lvl9pPr marL="3657600" algn="l" defTabSz="914400" rtl="0" eaLnBrk="1" latinLnBrk="0" hangingPunct="1">
+      <a:defRPr sz="1200" kern="1200">
+        <a:solidFill>
+          <a:schemeClr val="tx1"/>
+        </a:solidFill>
+        <a:latin typeface="+mn-lt"/>
+        <a:ea typeface="+mn-ea"/>
+        <a:cs typeface="+mn-cs"/>
+      </a:defRPr>
+    </a:lvl9pPr>
+  </p:notesStyle>
+</p:notesMaster>
+</file>
+
+<file path=ppt/notesSlides/notesSlide1.xml><?xml version="1.0" encoding="utf-8"?>
+<p:notes xmlns:a="http://schemas.openxmlformats.org/drawingml/2006/main" xmlns:r="http://schemas.openxmlformats.org/officeDocument/2006/relationships" xmlns:p="http://schemas.openxmlformats.org/presentationml/2006/main">
+  <p:cSld>
+    <p:spTree>
+      <p:nvGrpSpPr>
+        <p:cNvPr id="1" name=""/>
+        <p:cNvGrpSpPr/>
+        <p:nvPr/>
+      </p:nvGrpSpPr>
+      <p:grpSpPr>
+        <a:xfrm>
+          <a:off x="0" y="0"/>
+          <a:ext cx="0" cy="0"/>
+          <a:chOff x="0" y="0"/>
+          <a:chExt cx="0" cy="0"/>
+        </a:xfrm>
+      </p:grpSpPr>
+      <p:sp>
+        <p:nvSpPr>
+          <p:cNvPr id="2" name="Folienbildplatzhalter 1"/>
+          <p:cNvSpPr>
+            <a:spLocks noGrp="1" noRot="1" noChangeAspect="1"/>
+          </p:cNvSpPr>
+          <p:nvPr>
+            <p:ph type="sldImg"/>
+          </p:nvPr>
+        </p:nvSpPr>
+        <p:spPr/>
+      </p:sp>
+      <p:sp>
+        <p:nvSpPr>
+          <p:cNvPr id="3" name="Notizenplatzhalter 2"/>
+          <p:cNvSpPr>
+            <a:spLocks noGrp="1"/>
+          </p:cNvSpPr>
+          <p:nvPr>
+            <p:ph type="body" idx="1"/>
+          </p:nvPr>
+        </p:nvSpPr>
+        <p:spPr/>
+        <p:txBody>
+          <a:bodyPr/>
+          <a:lstStyle/>
+          <a:p>
+            <a:r>
+              <a:rPr lang="de-CH" dirty="0"/>
+              <a:t>Unsere </a:t>
+            </a:r>
+            <a:r>
+              <a:rPr lang="de-CH" dirty="0" err="1"/>
+              <a:t>Platform.h</a:t>
+            </a:r>
+            <a:r>
+              <a:rPr lang="de-CH" dirty="0"/>
+              <a:t>, </a:t>
+            </a:r>
+            <a:r>
+              <a:rPr lang="de-CH" dirty="0" err="1"/>
+              <a:t>konfigurations"liste</a:t>
+            </a:r>
+            <a:r>
+              <a:rPr lang="de-CH" dirty="0"/>
+              <a:t>", lokale </a:t>
+            </a:r>
+            <a:r>
+              <a:rPr lang="de-CH" dirty="0" err="1"/>
+              <a:t>paltform</a:t>
+            </a:r>
+            <a:r>
+              <a:rPr lang="de-CH"/>
+              <a:t>-liste </a:t>
+            </a:r>
+            <a:r>
+              <a:rPr lang="de-CH" dirty="0"/>
+              <a:t>für liste für </a:t>
+            </a:r>
+            <a:r>
+              <a:rPr lang="de-CH" dirty="0" err="1"/>
+              <a:t>spezi</a:t>
+            </a:r>
+            <a:r>
+              <a:rPr lang="de-CH" dirty="0"/>
+              <a:t>.</a:t>
+            </a:r>
+          </a:p>
+        </p:txBody>
+      </p:sp>
+      <p:sp>
+        <p:nvSpPr>
+          <p:cNvPr id="4" name="Foliennummernplatzhalter 3"/>
+          <p:cNvSpPr>
+            <a:spLocks noGrp="1"/>
+          </p:cNvSpPr>
+          <p:nvPr>
+            <p:ph type="sldNum" sz="quarter" idx="10"/>
+          </p:nvPr>
+        </p:nvSpPr>
+        <p:spPr/>
+        <p:txBody>
+          <a:bodyPr/>
+          <a:lstStyle/>
+          <a:p>
+            <a:fld id="{A29D2793-EC31-4B53-88DA-7B3ABA8C9638}" type="slidenum">
+              <a:rPr lang="de-CH" smtClean="0"/>
+              <a:t>6</a:t>
+            </a:fld>
+            <a:endParaRPr lang="de-CH"/>
+          </a:p>
+        </p:txBody>
+      </p:sp>
+    </p:spTree>
+    <p:extLst>
+      <p:ext uri="{BB962C8B-B14F-4D97-AF65-F5344CB8AC3E}">
+        <p14:creationId xmlns:p14="http://schemas.microsoft.com/office/powerpoint/2010/main" val="1049273590"/>
+      </p:ext>
+    </p:extLst>
+  </p:cSld>
+  <p:clrMapOvr>
+    <a:masterClrMapping/>
+  </p:clrMapOvr>
+</p:notes>
+</file>
+
+<file path=ppt/notesSlides/notesSlide2.xml><?xml version="1.0" encoding="utf-8"?>
+<p:notes xmlns:a="http://schemas.openxmlformats.org/drawingml/2006/main" xmlns:r="http://schemas.openxmlformats.org/officeDocument/2006/relationships" xmlns:p="http://schemas.openxmlformats.org/presentationml/2006/main">
+  <p:cSld>
+    <p:spTree>
+      <p:nvGrpSpPr>
+        <p:cNvPr id="1" name=""/>
+        <p:cNvGrpSpPr/>
+        <p:nvPr/>
+      </p:nvGrpSpPr>
+      <p:grpSpPr>
+        <a:xfrm>
+          <a:off x="0" y="0"/>
+          <a:ext cx="0" cy="0"/>
+          <a:chOff x="0" y="0"/>
+          <a:chExt cx="0" cy="0"/>
+        </a:xfrm>
+      </p:grpSpPr>
+      <p:sp>
+        <p:nvSpPr>
+          <p:cNvPr id="2" name="Folienbildplatzhalter 1"/>
+          <p:cNvSpPr>
+            <a:spLocks noGrp="1" noRot="1" noChangeAspect="1"/>
+          </p:cNvSpPr>
+          <p:nvPr>
+            <p:ph type="sldImg"/>
+          </p:nvPr>
+        </p:nvSpPr>
+        <p:spPr/>
+      </p:sp>
+      <p:sp>
+        <p:nvSpPr>
+          <p:cNvPr id="3" name="Notizenplatzhalter 2"/>
+          <p:cNvSpPr>
+            <a:spLocks noGrp="1"/>
+          </p:cNvSpPr>
+          <p:nvPr>
+            <p:ph type="body" idx="1"/>
+          </p:nvPr>
+        </p:nvSpPr>
+        <p:spPr/>
+        <p:txBody>
+          <a:bodyPr/>
+          <a:lstStyle/>
+          <a:p>
+            <a:r>
+              <a:rPr lang="de-CH" sz="1200" b="0" i="0" u="none" strike="noStrike" kern="1200" baseline="0" dirty="0" err="1">
+                <a:solidFill>
+                  <a:schemeClr val="tx1"/>
+                </a:solidFill>
+                <a:latin typeface="+mn-lt"/>
+                <a:ea typeface="+mn-ea"/>
+                <a:cs typeface="+mn-cs"/>
+              </a:rPr>
+              <a:t>möglichkeiten</a:t>
+            </a:r>
+            <a:r>
+              <a:rPr lang="de-CH" sz="1200" b="0" i="0" u="none" strike="noStrike" kern="1200" baseline="0" dirty="0">
+                <a:solidFill>
+                  <a:schemeClr val="tx1"/>
+                </a:solidFill>
+                <a:latin typeface="+mn-lt"/>
+                <a:ea typeface="+mn-ea"/>
+                <a:cs typeface="+mn-cs"/>
+              </a:rPr>
+              <a:t> die </a:t>
+            </a:r>
+            <a:r>
+              <a:rPr lang="de-CH" sz="1200" b="0" i="0" u="none" strike="noStrike" kern="1200" baseline="0" dirty="0" err="1">
+                <a:solidFill>
+                  <a:schemeClr val="tx1"/>
+                </a:solidFill>
+                <a:latin typeface="+mn-lt"/>
+                <a:ea typeface="+mn-ea"/>
+                <a:cs typeface="+mn-cs"/>
+              </a:rPr>
+              <a:t>platform.h</a:t>
+            </a:r>
+            <a:r>
+              <a:rPr lang="de-CH" sz="1200" b="0" i="0" u="none" strike="noStrike" kern="1200" baseline="0" dirty="0">
+                <a:solidFill>
+                  <a:schemeClr val="tx1"/>
+                </a:solidFill>
+                <a:latin typeface="+mn-lt"/>
+                <a:ea typeface="+mn-ea"/>
+                <a:cs typeface="+mn-cs"/>
+              </a:rPr>
+              <a:t> zu teilen: </a:t>
+            </a:r>
+          </a:p>
+          <a:p>
+            <a:r>
+              <a:rPr lang="de-CH" sz="1200" b="0" i="0" u="none" strike="noStrike" kern="1200" baseline="0" dirty="0">
+                <a:solidFill>
+                  <a:schemeClr val="tx1"/>
+                </a:solidFill>
+                <a:latin typeface="+mn-lt"/>
+                <a:ea typeface="+mn-ea"/>
+                <a:cs typeface="+mn-cs"/>
+              </a:rPr>
+              <a:t>direkt geteilt -&gt; wenig </a:t>
+            </a:r>
+            <a:r>
+              <a:rPr lang="de-CH" sz="1200" b="0" i="0" u="none" strike="noStrike" kern="1200" baseline="0" dirty="0" err="1">
+                <a:solidFill>
+                  <a:schemeClr val="tx1"/>
+                </a:solidFill>
+                <a:latin typeface="+mn-lt"/>
+                <a:ea typeface="+mn-ea"/>
+                <a:cs typeface="+mn-cs"/>
+              </a:rPr>
+              <a:t>möglichkeiten</a:t>
+            </a:r>
+            <a:r>
+              <a:rPr lang="de-CH" sz="1200" b="0" i="0" u="none" strike="noStrike" kern="1200" baseline="0" dirty="0">
+                <a:solidFill>
+                  <a:schemeClr val="tx1"/>
+                </a:solidFill>
+                <a:latin typeface="+mn-lt"/>
+                <a:ea typeface="+mn-ea"/>
+                <a:cs typeface="+mn-cs"/>
+              </a:rPr>
+              <a:t> gerätespezifische </a:t>
+            </a:r>
+            <a:r>
+              <a:rPr lang="de-CH" sz="1200" b="0" i="0" u="none" strike="noStrike" kern="1200" baseline="0" dirty="0" err="1">
+                <a:solidFill>
+                  <a:schemeClr val="tx1"/>
+                </a:solidFill>
+                <a:latin typeface="+mn-lt"/>
+                <a:ea typeface="+mn-ea"/>
+                <a:cs typeface="+mn-cs"/>
+              </a:rPr>
+              <a:t>einstellungen</a:t>
+            </a:r>
+            <a:r>
+              <a:rPr lang="de-CH" sz="1200" b="0" i="0" u="none" strike="noStrike" kern="1200" baseline="0" dirty="0">
+                <a:solidFill>
+                  <a:schemeClr val="tx1"/>
+                </a:solidFill>
+                <a:latin typeface="+mn-lt"/>
+                <a:ea typeface="+mn-ea"/>
+                <a:cs typeface="+mn-cs"/>
+              </a:rPr>
+              <a:t> vorzunehmen.</a:t>
+            </a:r>
+          </a:p>
+          <a:p>
+            <a:r>
+              <a:rPr lang="de-CH" sz="1200" b="0" i="0" u="none" strike="noStrike" kern="1200" baseline="0" dirty="0">
+                <a:solidFill>
+                  <a:schemeClr val="tx1"/>
+                </a:solidFill>
+                <a:latin typeface="+mn-lt"/>
+                <a:ea typeface="+mn-ea"/>
+                <a:cs typeface="+mn-cs"/>
+              </a:rPr>
+              <a:t>lokale Kopie in beiden Projekten -&gt; muss je nach </a:t>
+            </a:r>
+            <a:r>
+              <a:rPr lang="de-CH" sz="1200" b="0" i="0" u="none" strike="noStrike" kern="1200" baseline="0" dirty="0" err="1">
+                <a:solidFill>
+                  <a:schemeClr val="tx1"/>
+                </a:solidFill>
+                <a:latin typeface="+mn-lt"/>
+                <a:ea typeface="+mn-ea"/>
+                <a:cs typeface="+mn-cs"/>
+              </a:rPr>
+              <a:t>anpassungen</a:t>
+            </a:r>
+            <a:r>
+              <a:rPr lang="de-CH" sz="1200" b="0" i="0" u="none" strike="noStrike" kern="1200" baseline="0" dirty="0">
+                <a:solidFill>
+                  <a:schemeClr val="tx1"/>
+                </a:solidFill>
+                <a:latin typeface="+mn-lt"/>
+                <a:ea typeface="+mn-ea"/>
+                <a:cs typeface="+mn-cs"/>
+              </a:rPr>
+              <a:t> synchronisiert werden</a:t>
+            </a:r>
+          </a:p>
+          <a:p>
+            <a:r>
+              <a:rPr lang="de-CH" sz="1200" b="0" i="0" u="none" strike="noStrike" kern="1200" baseline="0" dirty="0" err="1">
+                <a:solidFill>
+                  <a:schemeClr val="tx1"/>
+                </a:solidFill>
+                <a:latin typeface="+mn-lt"/>
+                <a:ea typeface="+mn-ea"/>
+                <a:cs typeface="+mn-cs"/>
+              </a:rPr>
+              <a:t>kompromiss</a:t>
+            </a:r>
+            <a:r>
+              <a:rPr lang="de-CH" sz="1200" b="0" i="0" u="none" strike="noStrike" kern="1200" baseline="0" dirty="0">
+                <a:solidFill>
+                  <a:schemeClr val="tx1"/>
+                </a:solidFill>
+                <a:latin typeface="+mn-lt"/>
+                <a:ea typeface="+mn-ea"/>
+                <a:cs typeface="+mn-cs"/>
+              </a:rPr>
+              <a:t> -&gt; geteilt in beiden </a:t>
+            </a:r>
+            <a:r>
+              <a:rPr lang="de-CH" sz="1200" b="0" i="0" u="none" strike="noStrike" kern="1200" baseline="0" dirty="0" err="1">
+                <a:solidFill>
+                  <a:schemeClr val="tx1"/>
+                </a:solidFill>
+                <a:latin typeface="+mn-lt"/>
+                <a:ea typeface="+mn-ea"/>
+                <a:cs typeface="+mn-cs"/>
+              </a:rPr>
+              <a:t>projekten</a:t>
+            </a:r>
+            <a:r>
+              <a:rPr lang="de-CH" sz="1200" b="0" i="0" u="none" strike="noStrike" kern="1200" baseline="0" dirty="0">
+                <a:solidFill>
+                  <a:schemeClr val="tx1"/>
+                </a:solidFill>
+                <a:latin typeface="+mn-lt"/>
+                <a:ea typeface="+mn-ea"/>
+                <a:cs typeface="+mn-cs"/>
+              </a:rPr>
+              <a:t> mit lokaler </a:t>
+            </a:r>
+            <a:r>
+              <a:rPr lang="de-CH" sz="1200" b="0" i="0" u="none" strike="noStrike" kern="1200" baseline="0" dirty="0" err="1">
+                <a:solidFill>
+                  <a:schemeClr val="tx1"/>
+                </a:solidFill>
+                <a:latin typeface="+mn-lt"/>
+                <a:ea typeface="+mn-ea"/>
+                <a:cs typeface="+mn-cs"/>
+              </a:rPr>
+              <a:t>anpassungen</a:t>
+            </a:r>
+            <a:r>
+              <a:rPr lang="de-CH" sz="1200" b="0" i="0" u="none" strike="noStrike" kern="1200" baseline="0" dirty="0">
+                <a:solidFill>
+                  <a:schemeClr val="tx1"/>
+                </a:solidFill>
+                <a:latin typeface="+mn-lt"/>
+                <a:ea typeface="+mn-ea"/>
+                <a:cs typeface="+mn-cs"/>
+              </a:rPr>
+              <a:t>. "</a:t>
+            </a:r>
+            <a:r>
+              <a:rPr lang="de-CH" sz="1200" b="0" i="0" u="none" strike="noStrike" kern="1200" baseline="0" dirty="0" err="1">
+                <a:solidFill>
+                  <a:schemeClr val="tx1"/>
+                </a:solidFill>
+                <a:latin typeface="+mn-lt"/>
+                <a:ea typeface="+mn-ea"/>
+                <a:cs typeface="+mn-cs"/>
+              </a:rPr>
+              <a:t>zwischenfile</a:t>
+            </a:r>
+            <a:r>
+              <a:rPr lang="de-CH" sz="1200" b="0" i="0" u="none" strike="noStrike" kern="1200" baseline="0" dirty="0">
+                <a:solidFill>
+                  <a:schemeClr val="tx1"/>
+                </a:solidFill>
+                <a:latin typeface="+mn-lt"/>
+                <a:ea typeface="+mn-ea"/>
+                <a:cs typeface="+mn-cs"/>
+              </a:rPr>
+              <a:t>"</a:t>
+            </a:r>
+          </a:p>
+        </p:txBody>
+      </p:sp>
+      <p:sp>
+        <p:nvSpPr>
+          <p:cNvPr id="4" name="Foliennummernplatzhalter 3"/>
+          <p:cNvSpPr>
+            <a:spLocks noGrp="1"/>
+          </p:cNvSpPr>
+          <p:nvPr>
+            <p:ph type="sldNum" sz="quarter" idx="10"/>
+          </p:nvPr>
+        </p:nvSpPr>
+        <p:spPr/>
+        <p:txBody>
+          <a:bodyPr/>
+          <a:lstStyle/>
+          <a:p>
+            <a:fld id="{A29D2793-EC31-4B53-88DA-7B3ABA8C9638}" type="slidenum">
+              <a:rPr lang="de-CH" smtClean="0"/>
+              <a:t>7</a:t>
+            </a:fld>
+            <a:endParaRPr lang="de-CH"/>
+          </a:p>
+        </p:txBody>
+      </p:sp>
+    </p:spTree>
+    <p:extLst>
+      <p:ext uri="{BB962C8B-B14F-4D97-AF65-F5344CB8AC3E}">
+        <p14:creationId xmlns:p14="http://schemas.microsoft.com/office/powerpoint/2010/main" val="2863163095"/>
+      </p:ext>
+    </p:extLst>
+  </p:cSld>
+  <p:clrMapOvr>
+    <a:masterClrMapping/>
+  </p:clrMapOvr>
+</p:notes>
 </file>
 
 <file path=ppt/slideLayouts/slideLayout1.xml><?xml version="1.0" encoding="utf-8"?>
@@ -12455,6 +13243,1379 @@
 </p:sld>
 </file>
 
+<file path=ppt/slides/slide10.xml><?xml version="1.0" encoding="utf-8"?>
+<p:sld xmlns:a="http://schemas.openxmlformats.org/drawingml/2006/main" xmlns:r="http://schemas.openxmlformats.org/officeDocument/2006/relationships" xmlns:p="http://schemas.openxmlformats.org/presentationml/2006/main">
+  <p:cSld>
+    <p:spTree>
+      <p:nvGrpSpPr>
+        <p:cNvPr id="1" name=""/>
+        <p:cNvGrpSpPr/>
+        <p:nvPr/>
+      </p:nvGrpSpPr>
+      <p:grpSpPr>
+        <a:xfrm>
+          <a:off x="0" y="0"/>
+          <a:ext cx="0" cy="0"/>
+          <a:chOff x="0" y="0"/>
+          <a:chExt cx="0" cy="0"/>
+        </a:xfrm>
+      </p:grpSpPr>
+      <p:sp>
+        <p:nvSpPr>
+          <p:cNvPr id="2" name="Titel 1">
+            <a:extLst>
+              <a:ext uri="{FF2B5EF4-FFF2-40B4-BE49-F238E27FC236}">
+                <a16:creationId xmlns:a16="http://schemas.microsoft.com/office/drawing/2014/main" id="{D10E352C-D412-4420-BB1E-5CCD4800B5E0}"/>
+              </a:ext>
+            </a:extLst>
+          </p:cNvPr>
+          <p:cNvSpPr>
+            <a:spLocks noGrp="1"/>
+          </p:cNvSpPr>
+          <p:nvPr>
+            <p:ph type="title"/>
+          </p:nvPr>
+        </p:nvSpPr>
+        <p:spPr/>
+        <p:txBody>
+          <a:bodyPr/>
+          <a:lstStyle/>
+          <a:p>
+            <a:r>
+              <a:rPr lang="de-CH" dirty="0" err="1"/>
+              <a:t>Kwäschtschen</a:t>
+            </a:r>
+            <a:r>
+              <a:rPr lang="de-CH" dirty="0"/>
+              <a:t> 3</a:t>
+            </a:r>
+          </a:p>
+        </p:txBody>
+      </p:sp>
+      <p:sp>
+        <p:nvSpPr>
+          <p:cNvPr id="3" name="Inhaltsplatzhalter 2">
+            <a:extLst>
+              <a:ext uri="{FF2B5EF4-FFF2-40B4-BE49-F238E27FC236}">
+                <a16:creationId xmlns:a16="http://schemas.microsoft.com/office/drawing/2014/main" id="{094223A5-EC3E-48A1-8286-A9DC99C4C59E}"/>
+              </a:ext>
+            </a:extLst>
+          </p:cNvPr>
+          <p:cNvSpPr>
+            <a:spLocks noGrp="1"/>
+          </p:cNvSpPr>
+          <p:nvPr>
+            <p:ph idx="1"/>
+          </p:nvPr>
+        </p:nvSpPr>
+        <p:spPr/>
+        <p:txBody>
+          <a:bodyPr/>
+          <a:lstStyle/>
+          <a:p>
+            <a:r>
+              <a:rPr lang="de-CH" dirty="0" err="1"/>
+              <a:t>What</a:t>
+            </a:r>
+            <a:r>
+              <a:rPr lang="de-CH" dirty="0"/>
+              <a:t> do </a:t>
+            </a:r>
+            <a:r>
+              <a:rPr lang="de-CH" dirty="0" err="1"/>
+              <a:t>you</a:t>
+            </a:r>
+            <a:r>
+              <a:rPr lang="de-CH" dirty="0"/>
+              <a:t> </a:t>
+            </a:r>
+            <a:r>
+              <a:rPr lang="de-CH" dirty="0" err="1"/>
+              <a:t>have</a:t>
+            </a:r>
+            <a:r>
+              <a:rPr lang="de-CH" dirty="0"/>
+              <a:t> </a:t>
+            </a:r>
+            <a:r>
+              <a:rPr lang="de-CH" dirty="0" err="1"/>
+              <a:t>to</a:t>
+            </a:r>
+            <a:r>
+              <a:rPr lang="de-CH" dirty="0"/>
+              <a:t> </a:t>
+            </a:r>
+            <a:r>
+              <a:rPr lang="de-CH" dirty="0" err="1"/>
+              <a:t>consider</a:t>
+            </a:r>
+            <a:r>
+              <a:rPr lang="de-CH" dirty="0"/>
+              <a:t> </a:t>
+            </a:r>
+            <a:r>
+              <a:rPr lang="de-CH" dirty="0" err="1"/>
+              <a:t>when</a:t>
+            </a:r>
+            <a:r>
+              <a:rPr lang="de-CH" dirty="0"/>
+              <a:t> </a:t>
+            </a:r>
+            <a:r>
+              <a:rPr lang="de-CH" dirty="0" err="1"/>
+              <a:t>adding</a:t>
+            </a:r>
+            <a:r>
+              <a:rPr lang="de-CH" dirty="0"/>
+              <a:t> a </a:t>
+            </a:r>
+            <a:r>
+              <a:rPr lang="de-CH" dirty="0" err="1"/>
+              <a:t>new</a:t>
+            </a:r>
+            <a:r>
+              <a:rPr lang="de-CH" dirty="0"/>
+              <a:t> relative </a:t>
+            </a:r>
+            <a:r>
+              <a:rPr lang="de-CH" dirty="0" err="1"/>
+              <a:t>or</a:t>
+            </a:r>
+            <a:r>
+              <a:rPr lang="de-CH" dirty="0"/>
+              <a:t> absolute </a:t>
+            </a:r>
+            <a:r>
+              <a:rPr lang="de-CH" dirty="0" err="1"/>
+              <a:t>linked</a:t>
+            </a:r>
+            <a:r>
+              <a:rPr lang="de-CH" dirty="0"/>
+              <a:t> </a:t>
+            </a:r>
+            <a:r>
+              <a:rPr lang="de-CH" dirty="0" err="1"/>
+              <a:t>folder</a:t>
+            </a:r>
+            <a:r>
+              <a:rPr lang="de-CH" dirty="0"/>
+              <a:t> </a:t>
+            </a:r>
+            <a:r>
+              <a:rPr lang="de-CH" dirty="0" err="1"/>
+              <a:t>with</a:t>
+            </a:r>
+            <a:r>
+              <a:rPr lang="de-CH" dirty="0"/>
+              <a:t> </a:t>
+            </a:r>
+            <a:r>
+              <a:rPr lang="de-CH" dirty="0" err="1"/>
+              <a:t>header</a:t>
+            </a:r>
+            <a:r>
+              <a:rPr lang="de-CH" dirty="0"/>
+              <a:t> </a:t>
+            </a:r>
+            <a:r>
+              <a:rPr lang="de-CH" dirty="0" err="1"/>
+              <a:t>files</a:t>
+            </a:r>
+            <a:r>
+              <a:rPr lang="de-CH" dirty="0"/>
+              <a:t> </a:t>
+            </a:r>
+            <a:r>
+              <a:rPr lang="de-CH" dirty="0" err="1"/>
+              <a:t>to</a:t>
+            </a:r>
+            <a:r>
+              <a:rPr lang="de-CH" dirty="0"/>
+              <a:t> </a:t>
+            </a:r>
+            <a:r>
+              <a:rPr lang="de-CH" dirty="0" err="1"/>
+              <a:t>your</a:t>
+            </a:r>
+            <a:r>
+              <a:rPr lang="de-CH" dirty="0"/>
+              <a:t> </a:t>
+            </a:r>
+            <a:r>
+              <a:rPr lang="de-CH" dirty="0" err="1"/>
+              <a:t>project</a:t>
+            </a:r>
+            <a:r>
+              <a:rPr lang="de-CH" dirty="0"/>
+              <a:t>?</a:t>
+            </a:r>
+          </a:p>
+          <a:p>
+            <a:pPr lvl="1">
+              <a:buFontTx/>
+              <a:buChar char="-"/>
+            </a:pPr>
+            <a:r>
+              <a:rPr lang="de-CH" dirty="0" err="1"/>
+              <a:t>Don't</a:t>
+            </a:r>
+            <a:r>
+              <a:rPr lang="de-CH" dirty="0"/>
+              <a:t> </a:t>
+            </a:r>
+            <a:r>
+              <a:rPr lang="de-CH" dirty="0" err="1"/>
+              <a:t>use</a:t>
+            </a:r>
+            <a:r>
+              <a:rPr lang="de-CH" dirty="0"/>
+              <a:t> </a:t>
+            </a:r>
+            <a:r>
+              <a:rPr lang="de-CH" dirty="0" err="1"/>
+              <a:t>capital</a:t>
+            </a:r>
+            <a:r>
+              <a:rPr lang="de-CH" dirty="0"/>
+              <a:t> </a:t>
+            </a:r>
+            <a:r>
+              <a:rPr lang="de-CH" dirty="0" err="1"/>
+              <a:t>letters</a:t>
+            </a:r>
+            <a:endParaRPr lang="de-CH" dirty="0"/>
+          </a:p>
+          <a:p>
+            <a:pPr lvl="1">
+              <a:buFontTx/>
+              <a:buChar char="-"/>
+            </a:pPr>
+            <a:r>
+              <a:rPr lang="de-CH" dirty="0" err="1"/>
+              <a:t>When</a:t>
+            </a:r>
+            <a:r>
+              <a:rPr lang="de-CH" dirty="0"/>
+              <a:t> </a:t>
+            </a:r>
+            <a:r>
+              <a:rPr lang="de-CH" dirty="0" err="1"/>
+              <a:t>sharing</a:t>
+            </a:r>
+            <a:r>
+              <a:rPr lang="de-CH" dirty="0"/>
+              <a:t> in </a:t>
+            </a:r>
+            <a:r>
+              <a:rPr lang="de-CH" dirty="0" err="1"/>
+              <a:t>Git</a:t>
+            </a:r>
+            <a:r>
+              <a:rPr lang="de-CH" dirty="0"/>
+              <a:t> </a:t>
+            </a:r>
+            <a:r>
+              <a:rPr lang="de-CH" dirty="0" err="1"/>
+              <a:t>add</a:t>
+            </a:r>
+            <a:r>
+              <a:rPr lang="de-CH" dirty="0"/>
+              <a:t> </a:t>
+            </a:r>
+            <a:r>
+              <a:rPr lang="de-CH" dirty="0" err="1"/>
+              <a:t>the</a:t>
+            </a:r>
+            <a:r>
+              <a:rPr lang="de-CH" dirty="0"/>
+              <a:t> </a:t>
+            </a:r>
+            <a:r>
+              <a:rPr lang="de-CH" dirty="0" err="1"/>
+              <a:t>folder</a:t>
+            </a:r>
+            <a:r>
+              <a:rPr lang="de-CH" dirty="0"/>
+              <a:t> in </a:t>
+            </a:r>
+            <a:r>
+              <a:rPr lang="de-CH" dirty="0" err="1"/>
+              <a:t>the</a:t>
+            </a:r>
+            <a:r>
+              <a:rPr lang="de-CH" dirty="0"/>
+              <a:t> .</a:t>
+            </a:r>
+            <a:r>
+              <a:rPr lang="de-CH" dirty="0" err="1"/>
+              <a:t>gitignore</a:t>
+            </a:r>
+            <a:r>
+              <a:rPr lang="de-CH" dirty="0"/>
+              <a:t> </a:t>
+            </a:r>
+            <a:r>
+              <a:rPr lang="de-CH" dirty="0" err="1"/>
+              <a:t>list</a:t>
+            </a:r>
+            <a:endParaRPr lang="de-CH" dirty="0"/>
+          </a:p>
+          <a:p>
+            <a:pPr lvl="1">
+              <a:buFontTx/>
+              <a:buChar char="-"/>
+            </a:pPr>
+            <a:r>
+              <a:rPr lang="de-CH" dirty="0"/>
+              <a:t>Check </a:t>
+            </a:r>
+            <a:r>
+              <a:rPr lang="de-CH" dirty="0" err="1"/>
+              <a:t>the</a:t>
+            </a:r>
+            <a:r>
+              <a:rPr lang="de-CH" dirty="0"/>
+              <a:t> </a:t>
+            </a:r>
+            <a:r>
+              <a:rPr lang="de-CH" dirty="0" err="1"/>
+              <a:t>platform.h</a:t>
+            </a:r>
+            <a:r>
+              <a:rPr lang="de-CH" dirty="0"/>
+              <a:t> </a:t>
+            </a:r>
+            <a:r>
+              <a:rPr lang="de-CH" dirty="0" err="1"/>
+              <a:t>for</a:t>
+            </a:r>
+            <a:r>
+              <a:rPr lang="de-CH" dirty="0"/>
+              <a:t> </a:t>
+            </a:r>
+            <a:r>
+              <a:rPr lang="de-CH" dirty="0" err="1"/>
+              <a:t>adjustments</a:t>
+            </a:r>
+            <a:endParaRPr lang="de-CH" dirty="0"/>
+          </a:p>
+          <a:p>
+            <a:pPr lvl="1">
+              <a:buFontTx/>
+              <a:buChar char="-"/>
+            </a:pPr>
+            <a:r>
+              <a:rPr lang="de-CH" dirty="0"/>
+              <a:t>Nothing </a:t>
+            </a:r>
+            <a:r>
+              <a:rPr lang="de-CH" dirty="0" err="1"/>
+              <a:t>to</a:t>
+            </a:r>
+            <a:r>
+              <a:rPr lang="de-CH" dirty="0"/>
+              <a:t> </a:t>
+            </a:r>
+            <a:r>
+              <a:rPr lang="de-CH" dirty="0" err="1"/>
+              <a:t>consider</a:t>
+            </a:r>
+            <a:r>
+              <a:rPr lang="de-CH" dirty="0"/>
+              <a:t>, </a:t>
+            </a:r>
+            <a:r>
+              <a:rPr lang="de-CH" dirty="0" err="1"/>
+              <a:t>because</a:t>
+            </a:r>
+            <a:r>
+              <a:rPr lang="de-CH" dirty="0"/>
+              <a:t> </a:t>
+            </a:r>
+            <a:r>
+              <a:rPr lang="de-CH" dirty="0" err="1"/>
+              <a:t>Eclipse</a:t>
+            </a:r>
+            <a:r>
+              <a:rPr lang="de-CH" dirty="0"/>
+              <a:t> will do </a:t>
+            </a:r>
+            <a:r>
+              <a:rPr lang="de-CH" dirty="0" err="1"/>
+              <a:t>it</a:t>
+            </a:r>
+            <a:r>
+              <a:rPr lang="de-CH" dirty="0"/>
+              <a:t> </a:t>
+            </a:r>
+            <a:r>
+              <a:rPr lang="de-CH" dirty="0" err="1"/>
+              <a:t>for</a:t>
+            </a:r>
+            <a:r>
+              <a:rPr lang="de-CH" dirty="0"/>
+              <a:t> </a:t>
+            </a:r>
+            <a:r>
+              <a:rPr lang="de-CH" dirty="0" err="1"/>
+              <a:t>you</a:t>
+            </a:r>
+            <a:endParaRPr lang="de-CH" dirty="0"/>
+          </a:p>
+          <a:p>
+            <a:pPr lvl="1">
+              <a:buFontTx/>
+              <a:buChar char="-"/>
+            </a:pPr>
+            <a:r>
+              <a:rPr lang="de-CH" dirty="0"/>
+              <a:t>Tell </a:t>
+            </a:r>
+            <a:r>
+              <a:rPr lang="de-CH" dirty="0" err="1"/>
+              <a:t>the</a:t>
+            </a:r>
+            <a:r>
+              <a:rPr lang="de-CH" dirty="0"/>
+              <a:t> </a:t>
+            </a:r>
+            <a:r>
+              <a:rPr lang="de-CH" dirty="0" err="1"/>
+              <a:t>compiler</a:t>
+            </a:r>
+            <a:r>
+              <a:rPr lang="de-CH" dirty="0"/>
+              <a:t> </a:t>
+            </a:r>
+            <a:r>
+              <a:rPr lang="de-CH" dirty="0" err="1"/>
+              <a:t>where</a:t>
+            </a:r>
+            <a:r>
+              <a:rPr lang="de-CH" dirty="0"/>
+              <a:t> </a:t>
+            </a:r>
+            <a:r>
+              <a:rPr lang="de-CH" dirty="0" err="1"/>
+              <a:t>to</a:t>
+            </a:r>
+            <a:r>
+              <a:rPr lang="de-CH" dirty="0"/>
+              <a:t> </a:t>
+            </a:r>
+            <a:r>
+              <a:rPr lang="de-CH" dirty="0" err="1"/>
+              <a:t>look</a:t>
+            </a:r>
+            <a:r>
+              <a:rPr lang="de-CH" dirty="0"/>
+              <a:t> </a:t>
+            </a:r>
+            <a:r>
+              <a:rPr lang="de-CH" dirty="0" err="1"/>
+              <a:t>for</a:t>
+            </a:r>
+            <a:r>
+              <a:rPr lang="de-CH" dirty="0"/>
+              <a:t> </a:t>
+            </a:r>
+            <a:r>
+              <a:rPr lang="de-CH" dirty="0" err="1"/>
+              <a:t>header</a:t>
+            </a:r>
+            <a:r>
+              <a:rPr lang="de-CH" dirty="0"/>
+              <a:t> </a:t>
+            </a:r>
+            <a:r>
+              <a:rPr lang="de-CH" dirty="0" err="1"/>
+              <a:t>files</a:t>
+            </a:r>
+            <a:endParaRPr lang="de-CH" dirty="0"/>
+          </a:p>
+        </p:txBody>
+      </p:sp>
+    </p:spTree>
+    <p:extLst>
+      <p:ext uri="{BB962C8B-B14F-4D97-AF65-F5344CB8AC3E}">
+        <p14:creationId xmlns:p14="http://schemas.microsoft.com/office/powerpoint/2010/main" val="841339296"/>
+      </p:ext>
+    </p:extLst>
+  </p:cSld>
+  <p:clrMapOvr>
+    <a:masterClrMapping/>
+  </p:clrMapOvr>
+</p:sld>
+</file>
+
+<file path=ppt/slides/slide11.xml><?xml version="1.0" encoding="utf-8"?>
+<p:sld xmlns:a="http://schemas.openxmlformats.org/drawingml/2006/main" xmlns:r="http://schemas.openxmlformats.org/officeDocument/2006/relationships" xmlns:p="http://schemas.openxmlformats.org/presentationml/2006/main">
+  <p:cSld>
+    <p:spTree>
+      <p:nvGrpSpPr>
+        <p:cNvPr id="1" name=""/>
+        <p:cNvGrpSpPr/>
+        <p:nvPr/>
+      </p:nvGrpSpPr>
+      <p:grpSpPr>
+        <a:xfrm>
+          <a:off x="0" y="0"/>
+          <a:ext cx="0" cy="0"/>
+          <a:chOff x="0" y="0"/>
+          <a:chExt cx="0" cy="0"/>
+        </a:xfrm>
+      </p:grpSpPr>
+      <p:sp>
+        <p:nvSpPr>
+          <p:cNvPr id="2" name="Titel 1">
+            <a:extLst>
+              <a:ext uri="{FF2B5EF4-FFF2-40B4-BE49-F238E27FC236}">
+                <a16:creationId xmlns:a16="http://schemas.microsoft.com/office/drawing/2014/main" id="{D10E352C-D412-4420-BB1E-5CCD4800B5E0}"/>
+              </a:ext>
+            </a:extLst>
+          </p:cNvPr>
+          <p:cNvSpPr>
+            <a:spLocks noGrp="1"/>
+          </p:cNvSpPr>
+          <p:nvPr>
+            <p:ph type="title"/>
+          </p:nvPr>
+        </p:nvSpPr>
+        <p:spPr/>
+        <p:txBody>
+          <a:bodyPr/>
+          <a:lstStyle/>
+          <a:p>
+            <a:r>
+              <a:rPr lang="de-CH" dirty="0" err="1"/>
+              <a:t>Kwäschtschen</a:t>
+            </a:r>
+            <a:r>
+              <a:rPr lang="de-CH" dirty="0"/>
+              <a:t> 4</a:t>
+            </a:r>
+          </a:p>
+        </p:txBody>
+      </p:sp>
+      <p:sp>
+        <p:nvSpPr>
+          <p:cNvPr id="3" name="Inhaltsplatzhalter 2">
+            <a:extLst>
+              <a:ext uri="{FF2B5EF4-FFF2-40B4-BE49-F238E27FC236}">
+                <a16:creationId xmlns:a16="http://schemas.microsoft.com/office/drawing/2014/main" id="{094223A5-EC3E-48A1-8286-A9DC99C4C59E}"/>
+              </a:ext>
+            </a:extLst>
+          </p:cNvPr>
+          <p:cNvSpPr>
+            <a:spLocks noGrp="1"/>
+          </p:cNvSpPr>
+          <p:nvPr>
+            <p:ph idx="1"/>
+          </p:nvPr>
+        </p:nvSpPr>
+        <p:spPr/>
+        <p:txBody>
+          <a:bodyPr/>
+          <a:lstStyle/>
+          <a:p>
+            <a:r>
+              <a:rPr lang="de-CH" dirty="0" err="1"/>
+              <a:t>Why</a:t>
+            </a:r>
+            <a:r>
+              <a:rPr lang="de-CH" dirty="0"/>
+              <a:t> do </a:t>
+            </a:r>
+            <a:r>
+              <a:rPr lang="de-CH" dirty="0" err="1"/>
+              <a:t>we</a:t>
+            </a:r>
+            <a:r>
+              <a:rPr lang="de-CH" dirty="0"/>
+              <a:t> </a:t>
+            </a:r>
+            <a:r>
+              <a:rPr lang="de-CH" dirty="0" err="1"/>
+              <a:t>use</a:t>
+            </a:r>
+            <a:r>
+              <a:rPr lang="de-CH" dirty="0"/>
+              <a:t> a </a:t>
+            </a:r>
+            <a:r>
+              <a:rPr lang="de-CH" dirty="0" err="1"/>
+              <a:t>common</a:t>
+            </a:r>
+            <a:r>
+              <a:rPr lang="de-CH" dirty="0"/>
+              <a:t> </a:t>
+            </a:r>
+            <a:r>
+              <a:rPr lang="de-CH" dirty="0" err="1"/>
+              <a:t>folder</a:t>
+            </a:r>
+            <a:r>
+              <a:rPr lang="de-CH" dirty="0"/>
+              <a:t>?</a:t>
+            </a:r>
+          </a:p>
+          <a:p>
+            <a:pPr lvl="1">
+              <a:buFontTx/>
+              <a:buChar char="-"/>
+            </a:pPr>
+            <a:r>
+              <a:rPr lang="de-CH" dirty="0" err="1"/>
+              <a:t>For</a:t>
+            </a:r>
+            <a:r>
+              <a:rPr lang="de-CH" dirty="0"/>
+              <a:t> </a:t>
+            </a:r>
+            <a:r>
+              <a:rPr lang="de-CH" dirty="0" err="1"/>
+              <a:t>backup</a:t>
+            </a:r>
+            <a:r>
+              <a:rPr lang="de-CH" dirty="0"/>
+              <a:t> and </a:t>
+            </a:r>
+            <a:r>
+              <a:rPr lang="de-CH" dirty="0" err="1"/>
+              <a:t>saving</a:t>
+            </a:r>
+            <a:r>
+              <a:rPr lang="de-CH" dirty="0"/>
+              <a:t> </a:t>
+            </a:r>
+            <a:r>
+              <a:rPr lang="de-CH" dirty="0" err="1"/>
+              <a:t>your</a:t>
+            </a:r>
+            <a:r>
+              <a:rPr lang="de-CH" dirty="0"/>
+              <a:t> </a:t>
+            </a:r>
+            <a:r>
+              <a:rPr lang="de-CH" dirty="0" err="1"/>
+              <a:t>project</a:t>
+            </a:r>
+            <a:endParaRPr lang="de-CH" dirty="0"/>
+          </a:p>
+          <a:p>
+            <a:pPr lvl="1">
+              <a:buFontTx/>
+              <a:buChar char="-"/>
+            </a:pPr>
+            <a:r>
+              <a:rPr lang="de-CH" dirty="0"/>
+              <a:t>Common </a:t>
+            </a:r>
+            <a:r>
+              <a:rPr lang="de-CH" dirty="0" err="1"/>
+              <a:t>drivers</a:t>
+            </a:r>
+            <a:r>
+              <a:rPr lang="de-CH" dirty="0"/>
+              <a:t> </a:t>
+            </a:r>
+            <a:r>
+              <a:rPr lang="de-CH" dirty="0" err="1"/>
+              <a:t>don't</a:t>
+            </a:r>
+            <a:r>
+              <a:rPr lang="de-CH" dirty="0"/>
+              <a:t> </a:t>
+            </a:r>
+            <a:r>
+              <a:rPr lang="de-CH" dirty="0" err="1"/>
+              <a:t>need</a:t>
+            </a:r>
+            <a:r>
+              <a:rPr lang="de-CH" dirty="0"/>
+              <a:t> </a:t>
+            </a:r>
+            <a:r>
+              <a:rPr lang="de-CH" dirty="0" err="1"/>
+              <a:t>to</a:t>
+            </a:r>
+            <a:r>
+              <a:rPr lang="de-CH" dirty="0"/>
+              <a:t> </a:t>
+            </a:r>
+            <a:r>
+              <a:rPr lang="de-CH" dirty="0" err="1"/>
+              <a:t>be</a:t>
+            </a:r>
+            <a:r>
+              <a:rPr lang="de-CH" dirty="0"/>
+              <a:t> </a:t>
+            </a:r>
+            <a:r>
+              <a:rPr lang="de-CH" dirty="0" err="1"/>
+              <a:t>individually</a:t>
+            </a:r>
+            <a:r>
+              <a:rPr lang="de-CH" dirty="0"/>
+              <a:t> </a:t>
+            </a:r>
+            <a:r>
+              <a:rPr lang="de-CH" dirty="0" err="1"/>
+              <a:t>implemented</a:t>
+            </a:r>
+            <a:r>
+              <a:rPr lang="de-CH" dirty="0"/>
+              <a:t> (time-</a:t>
+            </a:r>
+            <a:r>
+              <a:rPr lang="de-CH" dirty="0" err="1"/>
+              <a:t>saving</a:t>
+            </a:r>
+            <a:r>
+              <a:rPr lang="de-CH" dirty="0"/>
+              <a:t>)</a:t>
+            </a:r>
+          </a:p>
+          <a:p>
+            <a:pPr lvl="1">
+              <a:buFontTx/>
+              <a:buChar char="-"/>
+            </a:pPr>
+            <a:r>
+              <a:rPr lang="de-CH" dirty="0" err="1"/>
+              <a:t>You</a:t>
+            </a:r>
+            <a:r>
+              <a:rPr lang="de-CH" dirty="0"/>
+              <a:t> </a:t>
+            </a:r>
+            <a:r>
+              <a:rPr lang="de-CH" dirty="0" err="1"/>
+              <a:t>can</a:t>
+            </a:r>
+            <a:r>
+              <a:rPr lang="de-CH" dirty="0"/>
+              <a:t> </a:t>
+            </a:r>
+            <a:r>
+              <a:rPr lang="de-CH" dirty="0" err="1"/>
+              <a:t>verify</a:t>
+            </a:r>
+            <a:r>
+              <a:rPr lang="de-CH" dirty="0"/>
+              <a:t> </a:t>
+            </a:r>
+            <a:r>
+              <a:rPr lang="de-CH" dirty="0" err="1"/>
+              <a:t>your</a:t>
+            </a:r>
+            <a:r>
+              <a:rPr lang="de-CH" dirty="0"/>
+              <a:t> </a:t>
+            </a:r>
+            <a:r>
+              <a:rPr lang="de-CH" dirty="0" err="1"/>
+              <a:t>teammate's</a:t>
+            </a:r>
+            <a:r>
+              <a:rPr lang="de-CH" dirty="0"/>
+              <a:t> </a:t>
+            </a:r>
+            <a:r>
+              <a:rPr lang="de-CH" dirty="0" err="1"/>
+              <a:t>working</a:t>
+            </a:r>
+            <a:r>
+              <a:rPr lang="de-CH" dirty="0"/>
+              <a:t> </a:t>
+            </a:r>
+            <a:r>
+              <a:rPr lang="de-CH" dirty="0" err="1"/>
+              <a:t>progress</a:t>
+            </a:r>
+            <a:endParaRPr lang="de-CH" dirty="0"/>
+          </a:p>
+          <a:p>
+            <a:pPr lvl="1">
+              <a:buFontTx/>
+              <a:buChar char="-"/>
+            </a:pPr>
+            <a:r>
+              <a:rPr lang="de-CH" dirty="0" err="1"/>
+              <a:t>To</a:t>
+            </a:r>
+            <a:r>
+              <a:rPr lang="de-CH" dirty="0"/>
+              <a:t> </a:t>
+            </a:r>
+            <a:r>
+              <a:rPr lang="de-CH" dirty="0" err="1"/>
+              <a:t>have</a:t>
+            </a:r>
+            <a:r>
+              <a:rPr lang="de-CH" dirty="0"/>
+              <a:t> at least </a:t>
+            </a:r>
+            <a:r>
+              <a:rPr lang="de-CH" i="1" dirty="0" err="1"/>
+              <a:t>something</a:t>
+            </a:r>
+            <a:r>
+              <a:rPr lang="de-CH" dirty="0"/>
+              <a:t> in </a:t>
+            </a:r>
+            <a:r>
+              <a:rPr lang="de-CH" dirty="0" err="1"/>
+              <a:t>common</a:t>
+            </a:r>
+            <a:endParaRPr lang="de-CH" dirty="0"/>
+          </a:p>
+          <a:p>
+            <a:pPr lvl="1">
+              <a:buFontTx/>
+              <a:buChar char="-"/>
+            </a:pPr>
+            <a:r>
+              <a:rPr lang="de-CH" dirty="0" err="1"/>
+              <a:t>To</a:t>
+            </a:r>
+            <a:r>
+              <a:rPr lang="de-CH" dirty="0"/>
+              <a:t> </a:t>
+            </a:r>
+            <a:r>
+              <a:rPr lang="de-CH" dirty="0" err="1"/>
+              <a:t>add</a:t>
+            </a:r>
+            <a:r>
+              <a:rPr lang="de-CH" dirty="0"/>
+              <a:t> </a:t>
+            </a:r>
+            <a:r>
+              <a:rPr lang="de-CH" dirty="0" err="1"/>
+              <a:t>the</a:t>
+            </a:r>
+            <a:r>
+              <a:rPr lang="de-CH" dirty="0"/>
+              <a:t> extra </a:t>
+            </a:r>
+            <a:r>
+              <a:rPr lang="de-CH" dirty="0" err="1"/>
+              <a:t>level</a:t>
+            </a:r>
+            <a:r>
+              <a:rPr lang="de-CH" dirty="0"/>
+              <a:t> </a:t>
+            </a:r>
+            <a:r>
+              <a:rPr lang="de-CH" dirty="0" err="1"/>
+              <a:t>of</a:t>
+            </a:r>
+            <a:r>
+              <a:rPr lang="de-CH" dirty="0"/>
+              <a:t> </a:t>
+            </a:r>
+            <a:r>
+              <a:rPr lang="de-CH" dirty="0" err="1"/>
+              <a:t>complexity</a:t>
+            </a:r>
+            <a:r>
+              <a:rPr lang="de-CH" dirty="0"/>
+              <a:t> </a:t>
+            </a:r>
+            <a:r>
+              <a:rPr lang="de-CH" dirty="0" err="1"/>
+              <a:t>to</a:t>
+            </a:r>
+            <a:r>
+              <a:rPr lang="de-CH" dirty="0"/>
+              <a:t> </a:t>
+            </a:r>
+            <a:r>
+              <a:rPr lang="de-CH" dirty="0" err="1"/>
+              <a:t>the</a:t>
+            </a:r>
+            <a:r>
+              <a:rPr lang="de-CH" dirty="0"/>
+              <a:t> </a:t>
+            </a:r>
+            <a:r>
+              <a:rPr lang="de-CH" dirty="0" err="1"/>
+              <a:t>course</a:t>
+            </a:r>
+            <a:endParaRPr lang="de-CH" dirty="0"/>
+          </a:p>
+          <a:p>
+            <a:pPr lvl="1">
+              <a:buFontTx/>
+              <a:buChar char="-"/>
+            </a:pPr>
+            <a:endParaRPr lang="de-CH" dirty="0"/>
+          </a:p>
+        </p:txBody>
+      </p:sp>
+    </p:spTree>
+    <p:extLst>
+      <p:ext uri="{BB962C8B-B14F-4D97-AF65-F5344CB8AC3E}">
+        <p14:creationId xmlns:p14="http://schemas.microsoft.com/office/powerpoint/2010/main" val="2541979136"/>
+      </p:ext>
+    </p:extLst>
+  </p:cSld>
+  <p:clrMapOvr>
+    <a:masterClrMapping/>
+  </p:clrMapOvr>
+</p:sld>
+</file>
+
+<file path=ppt/slides/slide12.xml><?xml version="1.0" encoding="utf-8"?>
+<p:sld xmlns:a="http://schemas.openxmlformats.org/drawingml/2006/main" xmlns:r="http://schemas.openxmlformats.org/officeDocument/2006/relationships" xmlns:p="http://schemas.openxmlformats.org/presentationml/2006/main">
+  <p:cSld>
+    <p:spTree>
+      <p:nvGrpSpPr>
+        <p:cNvPr id="1" name=""/>
+        <p:cNvGrpSpPr/>
+        <p:nvPr/>
+      </p:nvGrpSpPr>
+      <p:grpSpPr>
+        <a:xfrm>
+          <a:off x="0" y="0"/>
+          <a:ext cx="0" cy="0"/>
+          <a:chOff x="0" y="0"/>
+          <a:chExt cx="0" cy="0"/>
+        </a:xfrm>
+      </p:grpSpPr>
+      <p:sp>
+        <p:nvSpPr>
+          <p:cNvPr id="2" name="Titel 1">
+            <a:extLst>
+              <a:ext uri="{FF2B5EF4-FFF2-40B4-BE49-F238E27FC236}">
+                <a16:creationId xmlns:a16="http://schemas.microsoft.com/office/drawing/2014/main" id="{D10E352C-D412-4420-BB1E-5CCD4800B5E0}"/>
+              </a:ext>
+            </a:extLst>
+          </p:cNvPr>
+          <p:cNvSpPr>
+            <a:spLocks noGrp="1"/>
+          </p:cNvSpPr>
+          <p:nvPr>
+            <p:ph type="title"/>
+          </p:nvPr>
+        </p:nvSpPr>
+        <p:spPr/>
+        <p:txBody>
+          <a:bodyPr/>
+          <a:lstStyle/>
+          <a:p>
+            <a:r>
+              <a:rPr lang="de-CH" dirty="0" err="1"/>
+              <a:t>Kwäschtschen</a:t>
+            </a:r>
+            <a:r>
+              <a:rPr lang="de-CH" dirty="0"/>
+              <a:t> 5</a:t>
+            </a:r>
+          </a:p>
+        </p:txBody>
+      </p:sp>
+      <p:sp>
+        <p:nvSpPr>
+          <p:cNvPr id="3" name="Inhaltsplatzhalter 2">
+            <a:extLst>
+              <a:ext uri="{FF2B5EF4-FFF2-40B4-BE49-F238E27FC236}">
+                <a16:creationId xmlns:a16="http://schemas.microsoft.com/office/drawing/2014/main" id="{094223A5-EC3E-48A1-8286-A9DC99C4C59E}"/>
+              </a:ext>
+            </a:extLst>
+          </p:cNvPr>
+          <p:cNvSpPr>
+            <a:spLocks noGrp="1"/>
+          </p:cNvSpPr>
+          <p:nvPr>
+            <p:ph idx="1"/>
+          </p:nvPr>
+        </p:nvSpPr>
+        <p:spPr/>
+        <p:txBody>
+          <a:bodyPr>
+            <a:normAutofit/>
+          </a:bodyPr>
+          <a:lstStyle/>
+          <a:p>
+            <a:r>
+              <a:rPr lang="de-CH" dirty="0" err="1"/>
+              <a:t>How</a:t>
+            </a:r>
+            <a:r>
+              <a:rPr lang="de-CH" dirty="0"/>
+              <a:t> </a:t>
+            </a:r>
+            <a:r>
+              <a:rPr lang="de-CH" dirty="0" err="1"/>
+              <a:t>should</a:t>
+            </a:r>
+            <a:r>
+              <a:rPr lang="de-CH" dirty="0"/>
+              <a:t> </a:t>
+            </a:r>
+            <a:r>
+              <a:rPr lang="de-CH" dirty="0" err="1"/>
+              <a:t>you</a:t>
+            </a:r>
+            <a:r>
+              <a:rPr lang="de-CH" dirty="0"/>
+              <a:t> not </a:t>
+            </a:r>
+            <a:r>
+              <a:rPr lang="de-CH" dirty="0" err="1"/>
+              <a:t>identify</a:t>
+            </a:r>
+            <a:r>
+              <a:rPr lang="de-CH" dirty="0"/>
+              <a:t> </a:t>
+            </a:r>
+            <a:r>
+              <a:rPr lang="de-CH" dirty="0" err="1"/>
+              <a:t>your</a:t>
+            </a:r>
+            <a:r>
+              <a:rPr lang="de-CH" dirty="0"/>
+              <a:t> </a:t>
+            </a:r>
+            <a:r>
+              <a:rPr lang="de-CH" dirty="0" err="1"/>
+              <a:t>board</a:t>
+            </a:r>
+            <a:r>
+              <a:rPr lang="de-CH" dirty="0"/>
+              <a:t> in </a:t>
+            </a:r>
+            <a:r>
+              <a:rPr lang="de-CH" dirty="0" err="1"/>
+              <a:t>your</a:t>
+            </a:r>
+            <a:r>
+              <a:rPr lang="de-CH" dirty="0"/>
+              <a:t> </a:t>
+            </a:r>
+            <a:r>
+              <a:rPr lang="de-CH" dirty="0" err="1"/>
+              <a:t>project</a:t>
+            </a:r>
+            <a:r>
+              <a:rPr lang="de-CH" dirty="0"/>
+              <a:t> (</a:t>
+            </a:r>
+            <a:r>
+              <a:rPr lang="de-CH" dirty="0" err="1"/>
+              <a:t>for</a:t>
+            </a:r>
+            <a:r>
+              <a:rPr lang="de-CH" dirty="0"/>
+              <a:t> </a:t>
+            </a:r>
+            <a:r>
+              <a:rPr lang="de-CH" dirty="0" err="1"/>
+              <a:t>driver</a:t>
+            </a:r>
+            <a:r>
+              <a:rPr lang="de-CH" dirty="0"/>
+              <a:t> </a:t>
+            </a:r>
+            <a:r>
+              <a:rPr lang="de-CH" dirty="0" err="1"/>
+              <a:t>mapping</a:t>
+            </a:r>
+            <a:r>
+              <a:rPr lang="de-CH" dirty="0"/>
+              <a:t>)?</a:t>
+            </a:r>
+          </a:p>
+          <a:p>
+            <a:pPr lvl="1">
+              <a:buFontTx/>
+              <a:buChar char="-"/>
+            </a:pPr>
+            <a:r>
+              <a:rPr lang="de-CH" dirty="0"/>
+              <a:t>In </a:t>
+            </a:r>
+            <a:r>
+              <a:rPr lang="de-CH" dirty="0" err="1"/>
+              <a:t>the</a:t>
+            </a:r>
+            <a:r>
+              <a:rPr lang="de-CH" dirty="0"/>
+              <a:t> </a:t>
+            </a:r>
+            <a:r>
+              <a:rPr lang="de-CH" dirty="0" err="1"/>
+              <a:t>project</a:t>
+            </a:r>
+            <a:r>
+              <a:rPr lang="de-CH" dirty="0"/>
+              <a:t> </a:t>
+            </a:r>
+            <a:r>
+              <a:rPr lang="de-CH" dirty="0" err="1"/>
+              <a:t>settings</a:t>
+            </a:r>
+            <a:r>
+              <a:rPr lang="de-CH" dirty="0"/>
+              <a:t> (Project Level)</a:t>
+            </a:r>
+          </a:p>
+          <a:p>
+            <a:pPr lvl="1">
+              <a:buFontTx/>
+              <a:buChar char="-"/>
+            </a:pPr>
+            <a:r>
+              <a:rPr lang="de-CH" dirty="0" err="1"/>
+              <a:t>With</a:t>
+            </a:r>
+            <a:r>
+              <a:rPr lang="de-CH" dirty="0"/>
+              <a:t> </a:t>
+            </a:r>
+            <a:r>
+              <a:rPr lang="de-CH" dirty="0" err="1"/>
+              <a:t>preprocessor</a:t>
+            </a:r>
+            <a:r>
+              <a:rPr lang="de-CH" dirty="0"/>
+              <a:t> </a:t>
+            </a:r>
+            <a:r>
+              <a:rPr lang="de-CH" dirty="0" err="1"/>
+              <a:t>macros</a:t>
+            </a:r>
+            <a:r>
+              <a:rPr lang="de-CH" dirty="0"/>
+              <a:t> (Compiler </a:t>
+            </a:r>
+            <a:r>
+              <a:rPr lang="de-CH" dirty="0" err="1"/>
+              <a:t>settings</a:t>
+            </a:r>
+            <a:r>
+              <a:rPr lang="de-CH" dirty="0"/>
+              <a:t>)</a:t>
+            </a:r>
+          </a:p>
+          <a:p>
+            <a:pPr lvl="1">
+              <a:buFontTx/>
+              <a:buChar char="-"/>
+            </a:pPr>
+            <a:r>
+              <a:rPr lang="de-CH" dirty="0" err="1"/>
+              <a:t>With</a:t>
+            </a:r>
+            <a:r>
+              <a:rPr lang="de-CH" dirty="0"/>
+              <a:t> </a:t>
+            </a:r>
+            <a:r>
+              <a:rPr lang="de-CH" dirty="0" err="1"/>
+              <a:t>macros</a:t>
+            </a:r>
+            <a:r>
+              <a:rPr lang="de-CH" dirty="0"/>
+              <a:t> in </a:t>
+            </a:r>
+            <a:r>
+              <a:rPr lang="de-CH" dirty="0" err="1"/>
+              <a:t>source</a:t>
+            </a:r>
+            <a:r>
+              <a:rPr lang="de-CH" dirty="0"/>
+              <a:t> (#</a:t>
+            </a:r>
+            <a:r>
+              <a:rPr lang="de-CH" dirty="0" err="1"/>
+              <a:t>define</a:t>
+            </a:r>
+            <a:r>
+              <a:rPr lang="de-CH" dirty="0"/>
+              <a:t>)</a:t>
+            </a:r>
+          </a:p>
+          <a:p>
+            <a:pPr lvl="1">
+              <a:buFontTx/>
+              <a:buChar char="-"/>
+            </a:pPr>
+            <a:r>
+              <a:rPr lang="de-CH" dirty="0"/>
+              <a:t>At </a:t>
+            </a:r>
+            <a:r>
+              <a:rPr lang="de-CH" dirty="0" err="1"/>
+              <a:t>runtime</a:t>
+            </a:r>
+            <a:r>
+              <a:rPr lang="de-CH" dirty="0"/>
+              <a:t> </a:t>
+            </a:r>
+            <a:r>
+              <a:rPr lang="de-CH" dirty="0" err="1"/>
+              <a:t>with</a:t>
+            </a:r>
+            <a:r>
+              <a:rPr lang="de-CH" dirty="0"/>
+              <a:t> </a:t>
+            </a:r>
+            <a:r>
+              <a:rPr lang="de-CH" dirty="0" err="1"/>
+              <a:t>the</a:t>
+            </a:r>
+            <a:r>
+              <a:rPr lang="de-CH" dirty="0"/>
+              <a:t> ID </a:t>
+            </a:r>
+            <a:r>
+              <a:rPr lang="de-CH" dirty="0" err="1"/>
+              <a:t>of</a:t>
+            </a:r>
+            <a:r>
+              <a:rPr lang="de-CH" dirty="0"/>
+              <a:t> </a:t>
+            </a:r>
+            <a:r>
+              <a:rPr lang="de-CH" dirty="0" err="1"/>
+              <a:t>the</a:t>
+            </a:r>
+            <a:r>
+              <a:rPr lang="de-CH" dirty="0"/>
+              <a:t> MCU</a:t>
+            </a:r>
+          </a:p>
+          <a:p>
+            <a:pPr lvl="1">
+              <a:buFontTx/>
+              <a:buChar char="-"/>
+            </a:pPr>
+            <a:r>
+              <a:rPr lang="de-CH" dirty="0" err="1"/>
+              <a:t>Choose</a:t>
+            </a:r>
+            <a:r>
+              <a:rPr lang="de-CH" dirty="0"/>
+              <a:t> </a:t>
+            </a:r>
+            <a:r>
+              <a:rPr lang="de-CH" dirty="0" err="1"/>
+              <a:t>the</a:t>
+            </a:r>
+            <a:r>
+              <a:rPr lang="de-CH" dirty="0"/>
+              <a:t> </a:t>
+            </a:r>
+            <a:r>
+              <a:rPr lang="de-CH" dirty="0" err="1"/>
+              <a:t>project</a:t>
+            </a:r>
+            <a:r>
+              <a:rPr lang="de-CH" dirty="0"/>
+              <a:t> </a:t>
+            </a:r>
+            <a:r>
+              <a:rPr lang="de-CH" dirty="0" err="1"/>
+              <a:t>name</a:t>
+            </a:r>
+            <a:r>
+              <a:rPr lang="de-CH" dirty="0"/>
+              <a:t> in </a:t>
+            </a:r>
+            <a:r>
+              <a:rPr lang="de-CH" dirty="0" err="1"/>
+              <a:t>Eclipse</a:t>
+            </a:r>
+            <a:r>
+              <a:rPr lang="de-CH" dirty="0"/>
+              <a:t> </a:t>
+            </a:r>
+            <a:r>
+              <a:rPr lang="de-CH" dirty="0" err="1"/>
+              <a:t>that</a:t>
+            </a:r>
+            <a:r>
+              <a:rPr lang="de-CH" dirty="0"/>
+              <a:t> </a:t>
+            </a:r>
+            <a:r>
+              <a:rPr lang="de-CH" dirty="0" err="1"/>
+              <a:t>it</a:t>
+            </a:r>
+            <a:r>
+              <a:rPr lang="de-CH" dirty="0"/>
+              <a:t> </a:t>
+            </a:r>
+            <a:r>
+              <a:rPr lang="de-CH" dirty="0" err="1"/>
+              <a:t>ends</a:t>
+            </a:r>
+            <a:r>
+              <a:rPr lang="de-CH" dirty="0"/>
+              <a:t> </a:t>
+            </a:r>
+            <a:r>
+              <a:rPr lang="de-CH" dirty="0" err="1"/>
+              <a:t>with</a:t>
+            </a:r>
+            <a:r>
+              <a:rPr lang="de-CH" dirty="0"/>
+              <a:t> _Robot </a:t>
+            </a:r>
+            <a:r>
+              <a:rPr lang="de-CH" dirty="0" err="1"/>
+              <a:t>or</a:t>
+            </a:r>
+            <a:r>
+              <a:rPr lang="de-CH" dirty="0"/>
+              <a:t> _Remote</a:t>
+            </a:r>
+          </a:p>
+          <a:p>
+            <a:pPr marL="457200" lvl="1" indent="0">
+              <a:buNone/>
+            </a:pPr>
+            <a:endParaRPr lang="de-CH" dirty="0"/>
+          </a:p>
+          <a:p>
+            <a:pPr lvl="1">
+              <a:buFontTx/>
+              <a:buChar char="-"/>
+            </a:pPr>
+            <a:endParaRPr lang="de-CH" dirty="0"/>
+          </a:p>
+          <a:p>
+            <a:pPr lvl="1">
+              <a:buFontTx/>
+              <a:buChar char="-"/>
+            </a:pPr>
+            <a:endParaRPr lang="de-CH" dirty="0"/>
+          </a:p>
+          <a:p>
+            <a:pPr lvl="1">
+              <a:buFontTx/>
+              <a:buChar char="-"/>
+            </a:pPr>
+            <a:endParaRPr lang="de-CH" dirty="0"/>
+          </a:p>
+        </p:txBody>
+      </p:sp>
+    </p:spTree>
+    <p:extLst>
+      <p:ext uri="{BB962C8B-B14F-4D97-AF65-F5344CB8AC3E}">
+        <p14:creationId xmlns:p14="http://schemas.microsoft.com/office/powerpoint/2010/main" val="2854074649"/>
+      </p:ext>
+    </p:extLst>
+  </p:cSld>
+  <p:clrMapOvr>
+    <a:masterClrMapping/>
+  </p:clrMapOvr>
+</p:sld>
+</file>
+
 <file path=ppt/slides/slide2.xml><?xml version="1.0" encoding="utf-8"?>
 <p:sld xmlns:a="http://schemas.openxmlformats.org/drawingml/2006/main" xmlns:r="http://schemas.openxmlformats.org/officeDocument/2006/relationships" xmlns:p="http://schemas.openxmlformats.org/presentationml/2006/main">
   <p:cSld>
@@ -12651,29 +14812,6 @@
           </a:p>
           <a:p>
             <a:r>
-              <a:rPr lang="de-CH" dirty="0" err="1"/>
-              <a:t>centralised</a:t>
-            </a:r>
-            <a:r>
-              <a:rPr lang="de-CH" dirty="0"/>
-              <a:t> </a:t>
-            </a:r>
-            <a:r>
-              <a:rPr lang="de-CH" dirty="0" err="1"/>
-              <a:t>or</a:t>
-            </a:r>
-            <a:r>
-              <a:rPr lang="de-CH" dirty="0"/>
-              <a:t> </a:t>
-            </a:r>
-            <a:r>
-              <a:rPr lang="de-CH" dirty="0" err="1"/>
-              <a:t>distributed</a:t>
-            </a:r>
-            <a:endParaRPr lang="de-CH" dirty="0"/>
-          </a:p>
-          <a:p>
-            <a:r>
               <a:rPr lang="de-CH" dirty="0"/>
               <a:t>pull/push/</a:t>
             </a:r>
@@ -12688,6 +14826,14 @@
             <a:r>
               <a:rPr lang="de-CH" dirty="0" err="1"/>
               <a:t>commit</a:t>
+            </a:r>
+            <a:r>
+              <a:rPr lang="de-CH" dirty="0"/>
+              <a:t>/</a:t>
+            </a:r>
+            <a:r>
+              <a:rPr lang="de-CH" dirty="0" err="1"/>
+              <a:t>branching</a:t>
             </a:r>
             <a:endParaRPr lang="de-CH" dirty="0"/>
           </a:p>
@@ -13163,6 +15309,9 @@
             </a:r>
           </a:p>
           <a:p>
+            <a:pPr marL="0" indent="0">
+              <a:buNone/>
+            </a:pPr>
             <a:r>
               <a:rPr lang="de-CH" dirty="0"/>
               <a:t>3</a:t>
@@ -13177,6 +15326,13 @@
             <a:r>
               <a:rPr lang="en-US" dirty="0"/>
               <a:t>Be sure you link the folder by using a relative link</a:t>
+            </a:r>
+          </a:p>
+          <a:p>
+            <a:pPr lvl="1"/>
+            <a:r>
+              <a:rPr lang="en-US" dirty="0"/>
+              <a:t>Add the linked folder in the compiler settings include path</a:t>
             </a:r>
             <a:endParaRPr lang="de-CH" dirty="0"/>
           </a:p>
@@ -13272,11 +15428,19 @@
             </a:r>
             <a:r>
               <a:rPr lang="de-CH" dirty="0"/>
+              <a:t>: </a:t>
+            </a:r>
+            <a:r>
+              <a:rPr lang="de-CH" dirty="0" err="1"/>
+              <a:t>activates</a:t>
+            </a:r>
+            <a:r>
+              <a:rPr lang="de-CH" dirty="0"/>
               <a:t> </a:t>
             </a:r>
             <a:r>
               <a:rPr lang="de-CH" dirty="0" err="1"/>
-              <a:t>is</a:t>
+              <a:t>driver</a:t>
             </a:r>
             <a:r>
               <a:rPr lang="de-CH" dirty="0"/>
@@ -13284,7 +15448,108 @@
             </a:r>
             <a:r>
               <a:rPr lang="de-CH" dirty="0" err="1"/>
-              <a:t>file</a:t>
+              <a:t>for</a:t>
+            </a:r>
+            <a:r>
+              <a:rPr lang="de-CH" dirty="0"/>
+              <a:t> </a:t>
+            </a:r>
+            <a:r>
+              <a:rPr lang="de-CH" dirty="0" err="1"/>
+              <a:t>both</a:t>
+            </a:r>
+            <a:r>
+              <a:rPr lang="de-CH" dirty="0"/>
+              <a:t> (</a:t>
+            </a:r>
+            <a:r>
+              <a:rPr lang="de-CH" dirty="0" err="1"/>
+              <a:t>robo</a:t>
+            </a:r>
+            <a:r>
+              <a:rPr lang="de-CH" dirty="0"/>
+              <a:t> &amp; remote) MCUs </a:t>
+            </a:r>
+            <a:r>
+              <a:rPr lang="de-CH" dirty="0" err="1"/>
+              <a:t>depending</a:t>
+            </a:r>
+            <a:r>
+              <a:rPr lang="de-CH" dirty="0"/>
+              <a:t> on..</a:t>
+            </a:r>
+          </a:p>
+          <a:p>
+            <a:r>
+              <a:rPr lang="de-CH" dirty="0"/>
+              <a:t>…</a:t>
+            </a:r>
+            <a:r>
+              <a:rPr lang="de-CH" dirty="0" err="1"/>
+              <a:t>your</a:t>
+            </a:r>
+            <a:r>
+              <a:rPr lang="de-CH" dirty="0"/>
+              <a:t> personal, NOT </a:t>
+            </a:r>
+            <a:r>
+              <a:rPr lang="de-CH" dirty="0" err="1"/>
+              <a:t>common</a:t>
+            </a:r>
+            <a:r>
+              <a:rPr lang="de-CH" dirty="0"/>
+              <a:t> </a:t>
+            </a:r>
+            <a:r>
+              <a:rPr lang="de-CH" dirty="0" err="1"/>
+              <a:t>used</a:t>
+            </a:r>
+            <a:r>
+              <a:rPr lang="de-CH" dirty="0"/>
+              <a:t> </a:t>
+            </a:r>
+            <a:r>
+              <a:rPr lang="de-CH" dirty="0" err="1"/>
+              <a:t>Platform_local.h</a:t>
+            </a:r>
+            <a:r>
+              <a:rPr lang="de-CH" dirty="0"/>
+              <a:t> </a:t>
+            </a:r>
+            <a:r>
+              <a:rPr lang="de-CH" dirty="0" err="1"/>
+              <a:t>configuration</a:t>
+            </a:r>
+            <a:endParaRPr lang="de-CH" dirty="0"/>
+          </a:p>
+          <a:p>
+            <a:r>
+              <a:rPr lang="de-CH" dirty="0" err="1"/>
+              <a:t>Don't</a:t>
+            </a:r>
+            <a:r>
+              <a:rPr lang="de-CH" dirty="0"/>
+              <a:t> mix </a:t>
+            </a:r>
+            <a:r>
+              <a:rPr lang="de-CH" dirty="0" err="1"/>
+              <a:t>up</a:t>
+            </a:r>
+            <a:r>
+              <a:rPr lang="de-CH" dirty="0"/>
+              <a:t> </a:t>
+            </a:r>
+            <a:r>
+              <a:rPr lang="de-CH" dirty="0" err="1"/>
+              <a:t>with</a:t>
+            </a:r>
+            <a:r>
+              <a:rPr lang="de-CH" dirty="0"/>
+              <a:t> </a:t>
+            </a:r>
+            <a:r>
+              <a:rPr lang="de-CH" dirty="0" err="1"/>
+              <a:t>sharing</a:t>
             </a:r>
             <a:r>
               <a:rPr lang="de-CH" dirty="0"/>
@@ -13292,7 +15557,7 @@
             </a:r>
             <a:r>
               <a:rPr lang="de-CH" dirty="0" err="1"/>
-              <a:t>which</a:t>
+              <a:t>the</a:t>
             </a:r>
             <a:r>
               <a:rPr lang="de-CH" dirty="0"/>
@@ -13300,7 +15565,7 @@
             </a:r>
             <a:r>
               <a:rPr lang="de-CH" dirty="0" err="1"/>
-              <a:t>specific</a:t>
+              <a:t>spirit</a:t>
             </a:r>
             <a:r>
               <a:rPr lang="de-CH" dirty="0"/>
@@ -13308,77 +15573,26 @@
             </a:r>
             <a:r>
               <a:rPr lang="de-CH" dirty="0" err="1"/>
-              <a:t>project</a:t>
-            </a:r>
-            <a:r>
-              <a:rPr lang="de-CH" dirty="0"/>
-              <a:t> </a:t>
-            </a:r>
-            <a:r>
-              <a:rPr lang="de-CH" dirty="0" err="1"/>
-              <a:t>settings</a:t>
-            </a:r>
-            <a:r>
-              <a:rPr lang="de-CH" dirty="0"/>
-              <a:t> </a:t>
-            </a:r>
-            <a:r>
-              <a:rPr lang="de-CH" dirty="0" err="1"/>
-              <a:t>can</a:t>
-            </a:r>
-            <a:r>
-              <a:rPr lang="de-CH" dirty="0"/>
-              <a:t> </a:t>
-            </a:r>
-            <a:r>
-              <a:rPr lang="de-CH" dirty="0" err="1"/>
-              <a:t>be</a:t>
-            </a:r>
-            <a:r>
-              <a:rPr lang="de-CH" dirty="0"/>
-              <a:t> </a:t>
-            </a:r>
-            <a:r>
-              <a:rPr lang="de-CH" dirty="0" err="1"/>
-              <a:t>made</a:t>
-            </a:r>
-            <a:endParaRPr lang="de-CH" dirty="0"/>
+              <a:t>of</a:t>
+            </a:r>
+            <a:r>
+              <a:rPr lang="de-CH" dirty="0"/>
+              <a:t> Version Control Systems like </a:t>
+            </a:r>
+            <a:r>
+              <a:rPr lang="de-CH" dirty="0" err="1"/>
+              <a:t>Git</a:t>
+            </a:r>
+            <a:r>
+              <a:rPr lang="de-CH" dirty="0"/>
+              <a:t>.</a:t>
+            </a:r>
           </a:p>
           <a:p>
             <a:endParaRPr lang="en-US" dirty="0"/>
           </a:p>
         </p:txBody>
       </p:sp>
-      <p:pic>
-        <p:nvPicPr>
-          <p:cNvPr id="4" name="Grafik 3">
-            <a:extLst>
-              <a:ext uri="{FF2B5EF4-FFF2-40B4-BE49-F238E27FC236}">
-                <a16:creationId xmlns:a16="http://schemas.microsoft.com/office/drawing/2014/main" id="{5092FB71-1B69-4675-9807-510F8EB44568}"/>
-              </a:ext>
-            </a:extLst>
-          </p:cNvPr>
-          <p:cNvPicPr>
-            <a:picLocks noChangeAspect="1"/>
-          </p:cNvPicPr>
-          <p:nvPr/>
-        </p:nvPicPr>
-        <p:blipFill>
-          <a:blip r:embed="rId2"/>
-          <a:stretch>
-            <a:fillRect/>
-          </a:stretch>
-        </p:blipFill>
-        <p:spPr>
-          <a:xfrm>
-            <a:off x="2226499" y="2910369"/>
-            <a:ext cx="6863221" cy="3154764"/>
-          </a:xfrm>
-          <a:prstGeom prst="rect">
-            <a:avLst/>
-          </a:prstGeom>
-        </p:spPr>
-      </p:pic>
     </p:spTree>
     <p:extLst>
       <p:ext uri="{BB962C8B-B14F-4D97-AF65-F5344CB8AC3E}">
@@ -13457,7 +15671,7 @@
           <p:nvPr/>
         </p:nvPicPr>
         <p:blipFill>
-          <a:blip r:embed="rId2"/>
+          <a:blip r:embed="rId3"/>
           <a:stretch>
             <a:fillRect/>
           </a:stretch>
@@ -14362,4 +16576,299 @@
     </a:ext>
   </a:extLst>
 </a:theme>
+</file>
+
+<file path=ppt/theme/theme2.xml><?xml version="1.0" encoding="utf-8"?>
+<a:theme xmlns:a="http://schemas.openxmlformats.org/drawingml/2006/main" name="Office">
+  <a:themeElements>
+    <a:clrScheme name="Office">
+      <a:dk1>
+        <a:sysClr val="windowText" lastClr="000000"/>
+      </a:dk1>
+      <a:lt1>
+        <a:sysClr val="window" lastClr="FFFFFF"/>
+      </a:lt1>
+      <a:dk2>
+        <a:srgbClr val="44546A"/>
+      </a:dk2>
+      <a:lt2>
+        <a:srgbClr val="E7E6E6"/>
+      </a:lt2>
+      <a:accent1>
+        <a:srgbClr val="4472C4"/>
+      </a:accent1>
+      <a:accent2>
+        <a:srgbClr val="ED7D31"/>
+      </a:accent2>
+      <a:accent3>
+        <a:srgbClr val="A5A5A5"/>
+      </a:accent3>
+      <a:accent4>
+        <a:srgbClr val="FFC000"/>
+      </a:accent4>
+      <a:accent5>
+        <a:srgbClr val="5B9BD5"/>
+      </a:accent5>
+      <a:accent6>
+        <a:srgbClr val="70AD47"/>
+      </a:accent6>
+      <a:hlink>
+        <a:srgbClr val="0563C1"/>
+      </a:hlink>
+      <a:folHlink>
+        <a:srgbClr val="954F72"/>
+      </a:folHlink>
+    </a:clrScheme>
+    <a:fontScheme name="Office">
+      <a:majorFont>
+        <a:latin typeface="Calibri Light" panose="020F0302020204030204"/>
+        <a:ea typeface=""/>
+        <a:cs typeface=""/>
+        <a:font script="Jpan" typeface="游ゴシック Light"/>
+        <a:font script="Hang" typeface="맑은 고딕"/>
+        <a:font script="Hans" typeface="等线 Light"/>
+        <a:font script="Hant" typeface="新細明體"/>
+        <a:font script="Arab" typeface="Times New Roman"/>
+        <a:font script="Hebr" typeface="Times New Roman"/>
+        <a:font script="Thai" typeface="Angsana New"/>
+        <a:font script="Ethi" typeface="Nyala"/>
+        <a:font script="Beng" typeface="Vrinda"/>
+        <a:font script="Gujr" typeface="Shruti"/>
+        <a:font script="Khmr" typeface="MoolBoran"/>
+        <a:font script="Knda" typeface="Tunga"/>
+        <a:font script="Guru" typeface="Raavi"/>
+        <a:font script="Cans" typeface="Euphemia"/>
+        <a:font script="Cher" typeface="Plantagenet Cherokee"/>
+        <a:font script="Yiii" typeface="Microsoft Yi Baiti"/>
+        <a:font script="Tibt" typeface="Microsoft Himalaya"/>
+        <a:font script="Thaa" typeface="MV Boli"/>
+        <a:font script="Deva" typeface="Mangal"/>
+        <a:font script="Telu" typeface="Gautami"/>
+        <a:font script="Taml" typeface="Latha"/>
+        <a:font script="Syrc" typeface="Estrangelo Edessa"/>
+        <a:font script="Orya" typeface="Kalinga"/>
+        <a:font script="Mlym" typeface="Kartika"/>
+        <a:font script="Laoo" typeface="DokChampa"/>
+        <a:font script="Sinh" typeface="Iskoola Pota"/>
+        <a:font script="Mong" typeface="Mongolian Baiti"/>
+        <a:font script="Viet" typeface="Times New Roman"/>
+        <a:font script="Uigh" typeface="Microsoft Uighur"/>
+        <a:font script="Geor" typeface="Sylfaen"/>
+        <a:font script="Armn" typeface="Arial"/>
+        <a:font script="Bugi" typeface="Leelawadee UI"/>
+        <a:font script="Bopo" typeface="Microsoft JhengHei"/>
+        <a:font script="Java" typeface="Javanese Text"/>
+        <a:font script="Lisu" typeface="Segoe UI"/>
+        <a:font script="Mymr" typeface="Myanmar Text"/>
+        <a:font script="Nkoo" typeface="Ebrima"/>
+        <a:font script="Olck" typeface="Nirmala UI"/>
+        <a:font script="Osma" typeface="Ebrima"/>
+        <a:font script="Phag" typeface="Phagspa"/>
+        <a:font script="Syrn" typeface="Estrangelo Edessa"/>
+        <a:font script="Syrj" typeface="Estrangelo Edessa"/>
+        <a:font script="Syre" typeface="Estrangelo Edessa"/>
+        <a:font script="Sora" typeface="Nirmala UI"/>
+        <a:font script="Tale" typeface="Microsoft Tai Le"/>
+        <a:font script="Talu" typeface="Microsoft New Tai Lue"/>
+        <a:font script="Tfng" typeface="Ebrima"/>
+      </a:majorFont>
+      <a:minorFont>
+        <a:latin typeface="Calibri" panose="020F0502020204030204"/>
+        <a:ea typeface=""/>
+        <a:cs typeface=""/>
+        <a:font script="Jpan" typeface="游ゴシック"/>
+        <a:font script="Hang" typeface="맑은 고딕"/>
+        <a:font script="Hans" typeface="等线"/>
+        <a:font script="Hant" typeface="新細明體"/>
+        <a:font script="Arab" typeface="Arial"/>
+        <a:font script="Hebr" typeface="Arial"/>
+        <a:font script="Thai" typeface="Cordia New"/>
+        <a:font script="Ethi" typeface="Nyala"/>
+        <a:font script="Beng" typeface="Vrinda"/>
+        <a:font script="Gujr" typeface="Shruti"/>
+        <a:font script="Khmr" typeface="DaunPenh"/>
+        <a:font script="Knda" typeface="Tunga"/>
+        <a:font script="Guru" typeface="Raavi"/>
+        <a:font script="Cans" typeface="Euphemia"/>
+        <a:font script="Cher" typeface="Plantagenet Cherokee"/>
+        <a:font script="Yiii" typeface="Microsoft Yi Baiti"/>
+        <a:font script="Tibt" typeface="Microsoft Himalaya"/>
+        <a:font script="Thaa" typeface="MV Boli"/>
+        <a:font script="Deva" typeface="Mangal"/>
+        <a:font script="Telu" typeface="Gautami"/>
+        <a:font script="Taml" typeface="Latha"/>
+        <a:font script="Syrc" typeface="Estrangelo Edessa"/>
+        <a:font script="Orya" typeface="Kalinga"/>
+        <a:font script="Mlym" typeface="Kartika"/>
+        <a:font script="Laoo" typeface="DokChampa"/>
+        <a:font script="Sinh" typeface="Iskoola Pota"/>
+        <a:font script="Mong" typeface="Mongolian Baiti"/>
+        <a:font script="Viet" typeface="Arial"/>
+        <a:font script="Uigh" typeface="Microsoft Uighur"/>
+        <a:font script="Geor" typeface="Sylfaen"/>
+        <a:font script="Armn" typeface="Arial"/>
+        <a:font script="Bugi" typeface="Leelawadee UI"/>
+        <a:font script="Bopo" typeface="Microsoft JhengHei"/>
+        <a:font script="Java" typeface="Javanese Text"/>
+        <a:font script="Lisu" typeface="Segoe UI"/>
+        <a:font script="Mymr" typeface="Myanmar Text"/>
+        <a:font script="Nkoo" typeface="Ebrima"/>
+        <a:font script="Olck" typeface="Nirmala UI"/>
+        <a:font script="Osma" typeface="Ebrima"/>
+        <a:font script="Phag" typeface="Phagspa"/>
+        <a:font script="Syrn" typeface="Estrangelo Edessa"/>
+        <a:font script="Syrj" typeface="Estrangelo Edessa"/>
+        <a:font script="Syre" typeface="Estrangelo Edessa"/>
+        <a:font script="Sora" typeface="Nirmala UI"/>
+        <a:font script="Tale" typeface="Microsoft Tai Le"/>
+        <a:font script="Talu" typeface="Microsoft New Tai Lue"/>
+        <a:font script="Tfng" typeface="Ebrima"/>
+      </a:minorFont>
+    </a:fontScheme>
+    <a:fmtScheme name="Office">
+      <a:fillStyleLst>
+        <a:solidFill>
+          <a:schemeClr val="phClr"/>
+        </a:solidFill>
+        <a:gradFill rotWithShape="1">
+          <a:gsLst>
+            <a:gs pos="0">
+              <a:schemeClr val="phClr">
+                <a:lumMod val="110000"/>
+                <a:satMod val="105000"/>
+                <a:tint val="67000"/>
+              </a:schemeClr>
+            </a:gs>
+            <a:gs pos="50000">
+              <a:schemeClr val="phClr">
+                <a:lumMod val="105000"/>
+                <a:satMod val="103000"/>
+                <a:tint val="73000"/>
+              </a:schemeClr>
+            </a:gs>
+            <a:gs pos="100000">
+              <a:schemeClr val="phClr">
+                <a:lumMod val="105000"/>
+                <a:satMod val="109000"/>
+                <a:tint val="81000"/>
+              </a:schemeClr>
+            </a:gs>
+          </a:gsLst>
+          <a:lin ang="5400000" scaled="0"/>
+        </a:gradFill>
+        <a:gradFill rotWithShape="1">
+          <a:gsLst>
+            <a:gs pos="0">
+              <a:schemeClr val="phClr">
+                <a:satMod val="103000"/>
+                <a:lumMod val="102000"/>
+                <a:tint val="94000"/>
+              </a:schemeClr>
+            </a:gs>
+            <a:gs pos="50000">
+              <a:schemeClr val="phClr">
+                <a:satMod val="110000"/>
+                <a:lumMod val="100000"/>
+                <a:shade val="100000"/>
+              </a:schemeClr>
+            </a:gs>
+            <a:gs pos="100000">
+              <a:schemeClr val="phClr">
+                <a:lumMod val="99000"/>
+                <a:satMod val="120000"/>
+                <a:shade val="78000"/>
+              </a:schemeClr>
+            </a:gs>
+          </a:gsLst>
+          <a:lin ang="5400000" scaled="0"/>
+        </a:gradFill>
+      </a:fillStyleLst>
+      <a:lnStyleLst>
+        <a:ln w="6350" cap="flat" cmpd="sng" algn="ctr">
+          <a:solidFill>
+            <a:schemeClr val="phClr"/>
+          </a:solidFill>
+          <a:prstDash val="solid"/>
+          <a:miter lim="800000"/>
+        </a:ln>
+        <a:ln w="12700" cap="flat" cmpd="sng" algn="ctr">
+          <a:solidFill>
+            <a:schemeClr val="phClr"/>
+          </a:solidFill>
+          <a:prstDash val="solid"/>
+          <a:miter lim="800000"/>
+        </a:ln>
+        <a:ln w="19050" cap="flat" cmpd="sng" algn="ctr">
+          <a:solidFill>
+            <a:schemeClr val="phClr"/>
+          </a:solidFill>
+          <a:prstDash val="solid"/>
+          <a:miter lim="800000"/>
+        </a:ln>
+      </a:lnStyleLst>
+      <a:effectStyleLst>
+        <a:effectStyle>
+          <a:effectLst/>
+        </a:effectStyle>
+        <a:effectStyle>
+          <a:effectLst/>
+        </a:effectStyle>
+        <a:effectStyle>
+          <a:effectLst>
+            <a:outerShdw blurRad="57150" dist="19050" dir="5400000" algn="ctr" rotWithShape="0">
+              <a:srgbClr val="000000">
+                <a:alpha val="63000"/>
+              </a:srgbClr>
+            </a:outerShdw>
+          </a:effectLst>
+        </a:effectStyle>
+      </a:effectStyleLst>
+      <a:bgFillStyleLst>
+        <a:solidFill>
+          <a:schemeClr val="phClr"/>
+        </a:solidFill>
+        <a:solidFill>
+          <a:schemeClr val="phClr">
+            <a:tint val="95000"/>
+            <a:satMod val="170000"/>
+          </a:schemeClr>
+        </a:solidFill>
+        <a:gradFill rotWithShape="1">
+          <a:gsLst>
+            <a:gs pos="0">
+              <a:schemeClr val="phClr">
+                <a:tint val="93000"/>
+                <a:satMod val="150000"/>
+                <a:shade val="98000"/>
+                <a:lumMod val="102000"/>
+              </a:schemeClr>
+            </a:gs>
+            <a:gs pos="50000">
+              <a:schemeClr val="phClr">
+                <a:tint val="98000"/>
+                <a:satMod val="130000"/>
+                <a:shade val="90000"/>
+                <a:lumMod val="103000"/>
+              </a:schemeClr>
+            </a:gs>
+            <a:gs pos="100000">
+              <a:schemeClr val="phClr">
+                <a:shade val="63000"/>
+                <a:satMod val="120000"/>
+              </a:schemeClr>
+            </a:gs>
+          </a:gsLst>
+          <a:lin ang="5400000" scaled="0"/>
+        </a:gradFill>
+      </a:bgFillStyleLst>
+    </a:fmtScheme>
+  </a:themeElements>
+  <a:objectDefaults/>
+  <a:extraClrSchemeLst/>
+  <a:extLst>
+    <a:ext uri="{05A4C25C-085E-4340-85A3-A5531E510DB2}">
+      <thm15:themeFamily xmlns:thm15="http://schemas.microsoft.com/office/thememl/2012/main" name="Office Theme" id="{62F939B6-93AF-4DB8-9C6B-D6C7DFDC589F}" vid="{4A3C46E8-61CC-4603-A589-7422A47A8E4A}"/>
+    </a:ext>
+  </a:extLst>
+</a:theme>
 </file>